--- a/The Shape of OOP.pptx
+++ b/The Shape of OOP.pptx
@@ -206,7 +206,7 @@
           <a:p>
             <a:fld id="{583DEAFA-ACB2-4C5A-88EF-692DD18A54C1}" type="datetimeFigureOut">
               <a:rPr lang="en-US" smtClean="0"/>
-              <a:t>10/19/2021</a:t>
+              <a:t>12/2/2021</a:t>
             </a:fld>
             <a:endParaRPr lang="en-US"/>
           </a:p>
@@ -1043,7 +1043,7 @@
           <a:p>
             <a:fld id="{548C5E67-172B-4F6A-B3B9-DEF72F952E5B}" type="datetimeFigureOut">
               <a:rPr lang="en-US" smtClean="0"/>
-              <a:t>10/19/2021</a:t>
+              <a:t>12/2/2021</a:t>
             </a:fld>
             <a:endParaRPr lang="en-US"/>
           </a:p>
@@ -1318,7 +1318,7 @@
           <a:p>
             <a:fld id="{548C5E67-172B-4F6A-B3B9-DEF72F952E5B}" type="datetimeFigureOut">
               <a:rPr lang="en-US" smtClean="0"/>
-              <a:t>10/19/2021</a:t>
+              <a:t>12/2/2021</a:t>
             </a:fld>
             <a:endParaRPr lang="en-US"/>
           </a:p>
@@ -1512,7 +1512,7 @@
           <a:p>
             <a:fld id="{548C5E67-172B-4F6A-B3B9-DEF72F952E5B}" type="datetimeFigureOut">
               <a:rPr lang="en-US" smtClean="0"/>
-              <a:t>10/19/2021</a:t>
+              <a:t>12/2/2021</a:t>
             </a:fld>
             <a:endParaRPr lang="en-US"/>
           </a:p>
@@ -1780,7 +1780,7 @@
           <a:p>
             <a:fld id="{548C5E67-172B-4F6A-B3B9-DEF72F952E5B}" type="datetimeFigureOut">
               <a:rPr lang="en-US" smtClean="0"/>
-              <a:t>10/19/2021</a:t>
+              <a:t>12/2/2021</a:t>
             </a:fld>
             <a:endParaRPr lang="en-US"/>
           </a:p>
@@ -2112,7 +2112,7 @@
           <a:p>
             <a:fld id="{548C5E67-172B-4F6A-B3B9-DEF72F952E5B}" type="datetimeFigureOut">
               <a:rPr lang="en-US" smtClean="0"/>
-              <a:t>10/19/2021</a:t>
+              <a:t>12/2/2021</a:t>
             </a:fld>
             <a:endParaRPr lang="en-US"/>
           </a:p>
@@ -2722,7 +2722,7 @@
           <a:p>
             <a:fld id="{548C5E67-172B-4F6A-B3B9-DEF72F952E5B}" type="datetimeFigureOut">
               <a:rPr lang="en-US" smtClean="0"/>
-              <a:t>10/19/2021</a:t>
+              <a:t>12/2/2021</a:t>
             </a:fld>
             <a:endParaRPr lang="en-US"/>
           </a:p>
@@ -3569,7 +3569,7 @@
           <a:p>
             <a:fld id="{548C5E67-172B-4F6A-B3B9-DEF72F952E5B}" type="datetimeFigureOut">
               <a:rPr lang="en-US" smtClean="0"/>
-              <a:t>10/19/2021</a:t>
+              <a:t>12/2/2021</a:t>
             </a:fld>
             <a:endParaRPr lang="en-US"/>
           </a:p>
@@ -3739,7 +3739,7 @@
           <a:p>
             <a:fld id="{548C5E67-172B-4F6A-B3B9-DEF72F952E5B}" type="datetimeFigureOut">
               <a:rPr lang="en-US" smtClean="0"/>
-              <a:t>10/19/2021</a:t>
+              <a:t>12/2/2021</a:t>
             </a:fld>
             <a:endParaRPr lang="en-US"/>
           </a:p>
@@ -3919,7 +3919,7 @@
           <a:p>
             <a:fld id="{548C5E67-172B-4F6A-B3B9-DEF72F952E5B}" type="datetimeFigureOut">
               <a:rPr lang="en-US" smtClean="0"/>
-              <a:t>10/19/2021</a:t>
+              <a:t>12/2/2021</a:t>
             </a:fld>
             <a:endParaRPr lang="en-US"/>
           </a:p>
@@ -4089,7 +4089,7 @@
           <a:p>
             <a:fld id="{548C5E67-172B-4F6A-B3B9-DEF72F952E5B}" type="datetimeFigureOut">
               <a:rPr lang="en-US" smtClean="0"/>
-              <a:t>10/19/2021</a:t>
+              <a:t>12/2/2021</a:t>
             </a:fld>
             <a:endParaRPr lang="en-US"/>
           </a:p>
@@ -4333,7 +4333,7 @@
           <a:p>
             <a:fld id="{548C5E67-172B-4F6A-B3B9-DEF72F952E5B}" type="datetimeFigureOut">
               <a:rPr lang="en-US" smtClean="0"/>
-              <a:t>10/19/2021</a:t>
+              <a:t>12/2/2021</a:t>
             </a:fld>
             <a:endParaRPr lang="en-US"/>
           </a:p>
@@ -4625,7 +4625,7 @@
           <a:p>
             <a:fld id="{548C5E67-172B-4F6A-B3B9-DEF72F952E5B}" type="datetimeFigureOut">
               <a:rPr lang="en-US" smtClean="0"/>
-              <a:t>10/19/2021</a:t>
+              <a:t>12/2/2021</a:t>
             </a:fld>
             <a:endParaRPr lang="en-US"/>
           </a:p>
@@ -5063,7 +5063,7 @@
           <a:p>
             <a:fld id="{548C5E67-172B-4F6A-B3B9-DEF72F952E5B}" type="datetimeFigureOut">
               <a:rPr lang="en-US" smtClean="0"/>
-              <a:t>10/19/2021</a:t>
+              <a:t>12/2/2021</a:t>
             </a:fld>
             <a:endParaRPr lang="en-US"/>
           </a:p>
@@ -5181,7 +5181,7 @@
           <a:p>
             <a:fld id="{548C5E67-172B-4F6A-B3B9-DEF72F952E5B}" type="datetimeFigureOut">
               <a:rPr lang="en-US" smtClean="0"/>
-              <a:t>10/19/2021</a:t>
+              <a:t>12/2/2021</a:t>
             </a:fld>
             <a:endParaRPr lang="en-US"/>
           </a:p>
@@ -5276,7 +5276,7 @@
           <a:p>
             <a:fld id="{548C5E67-172B-4F6A-B3B9-DEF72F952E5B}" type="datetimeFigureOut">
               <a:rPr lang="en-US" smtClean="0"/>
-              <a:t>10/19/2021</a:t>
+              <a:t>12/2/2021</a:t>
             </a:fld>
             <a:endParaRPr lang="en-US"/>
           </a:p>
@@ -5555,7 +5555,7 @@
           <a:p>
             <a:fld id="{548C5E67-172B-4F6A-B3B9-DEF72F952E5B}" type="datetimeFigureOut">
               <a:rPr lang="en-US" smtClean="0"/>
-              <a:t>10/19/2021</a:t>
+              <a:t>12/2/2021</a:t>
             </a:fld>
             <a:endParaRPr lang="en-US"/>
           </a:p>
@@ -5830,7 +5830,7 @@
           <a:p>
             <a:fld id="{548C5E67-172B-4F6A-B3B9-DEF72F952E5B}" type="datetimeFigureOut">
               <a:rPr lang="en-US" smtClean="0"/>
-              <a:t>10/19/2021</a:t>
+              <a:t>12/2/2021</a:t>
             </a:fld>
             <a:endParaRPr lang="en-US"/>
           </a:p>
@@ -6259,7 +6259,7 @@
           <a:p>
             <a:fld id="{548C5E67-172B-4F6A-B3B9-DEF72F952E5B}" type="datetimeFigureOut">
               <a:rPr lang="en-US" smtClean="0"/>
-              <a:t>10/19/2021</a:t>
+              <a:t>12/2/2021</a:t>
             </a:fld>
             <a:endParaRPr lang="en-US"/>
           </a:p>
@@ -6881,10 +6881,362 @@
       </p:sp>
       <p:sp>
         <p:nvSpPr>
-          <p:cNvPr id="4" name="Rectangle: Single Corner Rounded 3">
+          <p:cNvPr id="3" name="TextBox 2">
             <a:extLst>
               <a:ext uri="{FF2B5EF4-FFF2-40B4-BE49-F238E27FC236}">
-                <a16:creationId xmlns:a16="http://schemas.microsoft.com/office/drawing/2014/main" id="{BA8B9F42-6611-4348-83B8-F0F54DB10DF6}"/>
+                <a16:creationId xmlns:a16="http://schemas.microsoft.com/office/drawing/2014/main" id="{8A2385CD-90B5-4A75-B33D-22793976A100}"/>
+              </a:ext>
+            </a:extLst>
+          </p:cNvPr>
+          <p:cNvSpPr txBox="1"/>
+          <p:nvPr/>
+        </p:nvSpPr>
+        <p:spPr>
+          <a:xfrm>
+            <a:off x="679633" y="4083849"/>
+            <a:ext cx="1618593" cy="954107"/>
+          </a:xfrm>
+          <a:prstGeom prst="rect">
+            <a:avLst/>
+          </a:prstGeom>
+          <a:noFill/>
+        </p:spPr>
+        <p:txBody>
+          <a:bodyPr wrap="square" rtlCol="0">
+            <a:spAutoFit/>
+          </a:bodyPr>
+          <a:lstStyle/>
+          <a:p>
+            <a:r>
+              <a:rPr lang="en-US" sz="1400" dirty="0"/>
+              <a:t>Defines:</a:t>
+            </a:r>
+          </a:p>
+          <a:p>
+            <a:pPr marL="285750" indent="-285750">
+              <a:buFont typeface="Arial" panose="020B0604020202020204" pitchFamily="34" charset="0"/>
+              <a:buChar char="•"/>
+            </a:pPr>
+            <a:r>
+              <a:rPr lang="en-US" sz="1400" dirty="0"/>
+              <a:t>area</a:t>
+            </a:r>
+          </a:p>
+          <a:p>
+            <a:pPr marL="285750" indent="-285750">
+              <a:buFont typeface="Arial" panose="020B0604020202020204" pitchFamily="34" charset="0"/>
+              <a:buChar char="•"/>
+            </a:pPr>
+            <a:r>
+              <a:rPr lang="en-US" sz="1400" dirty="0"/>
+              <a:t>perimeter</a:t>
+            </a:r>
+          </a:p>
+          <a:p>
+            <a:pPr marL="285750" indent="-285750">
+              <a:buFont typeface="Arial" panose="020B0604020202020204" pitchFamily="34" charset="0"/>
+              <a:buChar char="•"/>
+            </a:pPr>
+            <a:r>
+              <a:rPr lang="en-US" sz="1400" dirty="0"/>
+              <a:t>describe</a:t>
+            </a:r>
+          </a:p>
+        </p:txBody>
+      </p:sp>
+      <p:sp>
+        <p:nvSpPr>
+          <p:cNvPr id="17" name="TextBox 16">
+            <a:extLst>
+              <a:ext uri="{FF2B5EF4-FFF2-40B4-BE49-F238E27FC236}">
+                <a16:creationId xmlns:a16="http://schemas.microsoft.com/office/drawing/2014/main" id="{E6E34B15-1B6F-47AC-8566-087364309EAC}"/>
+              </a:ext>
+            </a:extLst>
+          </p:cNvPr>
+          <p:cNvSpPr txBox="1"/>
+          <p:nvPr/>
+        </p:nvSpPr>
+        <p:spPr>
+          <a:xfrm>
+            <a:off x="3678621" y="4142374"/>
+            <a:ext cx="1618593" cy="1384995"/>
+          </a:xfrm>
+          <a:prstGeom prst="rect">
+            <a:avLst/>
+          </a:prstGeom>
+          <a:noFill/>
+        </p:spPr>
+        <p:txBody>
+          <a:bodyPr wrap="square" rtlCol="0">
+            <a:spAutoFit/>
+          </a:bodyPr>
+          <a:lstStyle/>
+          <a:p>
+            <a:r>
+              <a:rPr lang="en-US" sz="1400" dirty="0"/>
+              <a:t>Defines:</a:t>
+            </a:r>
+          </a:p>
+          <a:p>
+            <a:pPr marL="285750" indent="-285750">
+              <a:buFont typeface="Arial" panose="020B0604020202020204" pitchFamily="34" charset="0"/>
+              <a:buChar char="•"/>
+            </a:pPr>
+            <a:r>
+              <a:rPr lang="en-US" sz="1400" dirty="0" err="1"/>
+              <a:t>shapeName</a:t>
+            </a:r>
+            <a:endParaRPr lang="en-US" sz="1400" dirty="0"/>
+          </a:p>
+          <a:p>
+            <a:pPr marL="285750" indent="-285750">
+              <a:buFont typeface="Arial" panose="020B0604020202020204" pitchFamily="34" charset="0"/>
+              <a:buChar char="•"/>
+            </a:pPr>
+            <a:r>
+              <a:rPr lang="en-US" sz="1400" dirty="0" err="1"/>
+              <a:t>shapeInfo</a:t>
+            </a:r>
+            <a:endParaRPr lang="en-US" sz="1400" dirty="0"/>
+          </a:p>
+          <a:p>
+            <a:endParaRPr lang="en-US" sz="1400" dirty="0"/>
+          </a:p>
+          <a:p>
+            <a:r>
+              <a:rPr lang="en-US" sz="1400" dirty="0"/>
+              <a:t>Implements</a:t>
+            </a:r>
+          </a:p>
+          <a:p>
+            <a:pPr marL="285750" indent="-285750">
+              <a:buFont typeface="Arial" panose="020B0604020202020204" pitchFamily="34" charset="0"/>
+              <a:buChar char="•"/>
+            </a:pPr>
+            <a:r>
+              <a:rPr lang="en-US" sz="1400" dirty="0"/>
+              <a:t>describe</a:t>
+            </a:r>
+          </a:p>
+        </p:txBody>
+      </p:sp>
+      <p:sp>
+        <p:nvSpPr>
+          <p:cNvPr id="19" name="TextBox 18">
+            <a:extLst>
+              <a:ext uri="{FF2B5EF4-FFF2-40B4-BE49-F238E27FC236}">
+                <a16:creationId xmlns:a16="http://schemas.microsoft.com/office/drawing/2014/main" id="{1D6E6594-AFA3-42D8-932A-30EC348DDCC1}"/>
+              </a:ext>
+            </a:extLst>
+          </p:cNvPr>
+          <p:cNvSpPr txBox="1"/>
+          <p:nvPr/>
+        </p:nvSpPr>
+        <p:spPr>
+          <a:xfrm>
+            <a:off x="6883092" y="4904916"/>
+            <a:ext cx="1618593" cy="1169551"/>
+          </a:xfrm>
+          <a:prstGeom prst="rect">
+            <a:avLst/>
+          </a:prstGeom>
+          <a:noFill/>
+        </p:spPr>
+        <p:txBody>
+          <a:bodyPr wrap="square" rtlCol="0">
+            <a:spAutoFit/>
+          </a:bodyPr>
+          <a:lstStyle/>
+          <a:p>
+            <a:r>
+              <a:rPr lang="en-US" sz="1400" dirty="0"/>
+              <a:t>Implements:</a:t>
+            </a:r>
+          </a:p>
+          <a:p>
+            <a:pPr marL="285750" indent="-285750">
+              <a:buFont typeface="Arial" panose="020B0604020202020204" pitchFamily="34" charset="0"/>
+              <a:buChar char="•"/>
+            </a:pPr>
+            <a:r>
+              <a:rPr lang="en-US" sz="1400" dirty="0"/>
+              <a:t>area</a:t>
+            </a:r>
+          </a:p>
+          <a:p>
+            <a:pPr marL="285750" indent="-285750">
+              <a:buFont typeface="Arial" panose="020B0604020202020204" pitchFamily="34" charset="0"/>
+              <a:buChar char="•"/>
+            </a:pPr>
+            <a:r>
+              <a:rPr lang="en-US" sz="1400" dirty="0"/>
+              <a:t>perimeter</a:t>
+            </a:r>
+          </a:p>
+          <a:p>
+            <a:pPr marL="285750" indent="-285750">
+              <a:buFont typeface="Arial" panose="020B0604020202020204" pitchFamily="34" charset="0"/>
+              <a:buChar char="•"/>
+            </a:pPr>
+            <a:r>
+              <a:rPr lang="en-US" sz="1400" dirty="0" err="1"/>
+              <a:t>shapeName</a:t>
+            </a:r>
+            <a:endParaRPr lang="en-US" sz="1400" dirty="0"/>
+          </a:p>
+          <a:p>
+            <a:pPr marL="285750" indent="-285750">
+              <a:buFont typeface="Arial" panose="020B0604020202020204" pitchFamily="34" charset="0"/>
+              <a:buChar char="•"/>
+            </a:pPr>
+            <a:r>
+              <a:rPr lang="en-US" sz="1400" dirty="0" err="1"/>
+              <a:t>shapeInfo</a:t>
+            </a:r>
+            <a:endParaRPr lang="en-US" sz="1400" dirty="0"/>
+          </a:p>
+        </p:txBody>
+      </p:sp>
+      <p:sp>
+        <p:nvSpPr>
+          <p:cNvPr id="20" name="TextBox 19">
+            <a:extLst>
+              <a:ext uri="{FF2B5EF4-FFF2-40B4-BE49-F238E27FC236}">
+                <a16:creationId xmlns:a16="http://schemas.microsoft.com/office/drawing/2014/main" id="{E6101020-259F-482C-AC62-0BA9B259438B}"/>
+              </a:ext>
+            </a:extLst>
+          </p:cNvPr>
+          <p:cNvSpPr txBox="1"/>
+          <p:nvPr/>
+        </p:nvSpPr>
+        <p:spPr>
+          <a:xfrm>
+            <a:off x="9659844" y="5337314"/>
+            <a:ext cx="1618593" cy="738664"/>
+          </a:xfrm>
+          <a:prstGeom prst="rect">
+            <a:avLst/>
+          </a:prstGeom>
+          <a:noFill/>
+        </p:spPr>
+        <p:txBody>
+          <a:bodyPr wrap="square" rtlCol="0">
+            <a:spAutoFit/>
+          </a:bodyPr>
+          <a:lstStyle/>
+          <a:p>
+            <a:r>
+              <a:rPr lang="en-US" sz="1400" dirty="0"/>
+              <a:t>Implements:</a:t>
+            </a:r>
+          </a:p>
+          <a:p>
+            <a:pPr marL="285750" indent="-285750">
+              <a:buFont typeface="Arial" panose="020B0604020202020204" pitchFamily="34" charset="0"/>
+              <a:buChar char="•"/>
+            </a:pPr>
+            <a:r>
+              <a:rPr lang="en-US" sz="1400" dirty="0" err="1"/>
+              <a:t>shapeName</a:t>
+            </a:r>
+            <a:endParaRPr lang="en-US" sz="1400" dirty="0"/>
+          </a:p>
+          <a:p>
+            <a:pPr marL="285750" indent="-285750">
+              <a:buFont typeface="Arial" panose="020B0604020202020204" pitchFamily="34" charset="0"/>
+              <a:buChar char="•"/>
+            </a:pPr>
+            <a:r>
+              <a:rPr lang="en-US" sz="1400" dirty="0" err="1"/>
+              <a:t>shapeInfo</a:t>
+            </a:r>
+            <a:endParaRPr lang="en-US" sz="1400" dirty="0"/>
+          </a:p>
+        </p:txBody>
+      </p:sp>
+      <p:sp>
+        <p:nvSpPr>
+          <p:cNvPr id="21" name="TextBox 20">
+            <a:extLst>
+              <a:ext uri="{FF2B5EF4-FFF2-40B4-BE49-F238E27FC236}">
+                <a16:creationId xmlns:a16="http://schemas.microsoft.com/office/drawing/2014/main" id="{06F62284-1C49-4895-9423-868A7F108678}"/>
+              </a:ext>
+            </a:extLst>
+          </p:cNvPr>
+          <p:cNvSpPr txBox="1"/>
+          <p:nvPr/>
+        </p:nvSpPr>
+        <p:spPr>
+          <a:xfrm>
+            <a:off x="8495474" y="1023338"/>
+            <a:ext cx="1618593" cy="1169551"/>
+          </a:xfrm>
+          <a:prstGeom prst="rect">
+            <a:avLst/>
+          </a:prstGeom>
+          <a:noFill/>
+        </p:spPr>
+        <p:txBody>
+          <a:bodyPr wrap="square" rtlCol="0">
+            <a:spAutoFit/>
+          </a:bodyPr>
+          <a:lstStyle/>
+          <a:p>
+            <a:r>
+              <a:rPr lang="en-US" sz="1400" dirty="0"/>
+              <a:t>Implements:</a:t>
+            </a:r>
+          </a:p>
+          <a:p>
+            <a:pPr marL="285750" indent="-285750">
+              <a:buFont typeface="Arial" panose="020B0604020202020204" pitchFamily="34" charset="0"/>
+              <a:buChar char="•"/>
+            </a:pPr>
+            <a:r>
+              <a:rPr lang="en-US" sz="1400" dirty="0"/>
+              <a:t>area</a:t>
+            </a:r>
+          </a:p>
+          <a:p>
+            <a:pPr marL="285750" indent="-285750">
+              <a:buFont typeface="Arial" panose="020B0604020202020204" pitchFamily="34" charset="0"/>
+              <a:buChar char="•"/>
+            </a:pPr>
+            <a:r>
+              <a:rPr lang="en-US" sz="1400" dirty="0"/>
+              <a:t>perimeter</a:t>
+            </a:r>
+          </a:p>
+          <a:p>
+            <a:pPr marL="285750" indent="-285750">
+              <a:buFont typeface="Arial" panose="020B0604020202020204" pitchFamily="34" charset="0"/>
+              <a:buChar char="•"/>
+            </a:pPr>
+            <a:r>
+              <a:rPr lang="en-US" sz="1400" dirty="0" err="1"/>
+              <a:t>shapeName</a:t>
+            </a:r>
+            <a:endParaRPr lang="en-US" sz="1400" dirty="0"/>
+          </a:p>
+          <a:p>
+            <a:pPr marL="285750" indent="-285750">
+              <a:buFont typeface="Arial" panose="020B0604020202020204" pitchFamily="34" charset="0"/>
+              <a:buChar char="•"/>
+            </a:pPr>
+            <a:r>
+              <a:rPr lang="en-US" sz="1400" dirty="0" err="1"/>
+              <a:t>shapeInfo</a:t>
+            </a:r>
+            <a:endParaRPr lang="en-US" sz="1400" dirty="0"/>
+          </a:p>
+        </p:txBody>
+      </p:sp>
+      <p:sp>
+        <p:nvSpPr>
+          <p:cNvPr id="23" name="Rectangle: Single Corner Rounded 22">
+            <a:extLst>
+              <a:ext uri="{FF2B5EF4-FFF2-40B4-BE49-F238E27FC236}">
+                <a16:creationId xmlns:a16="http://schemas.microsoft.com/office/drawing/2014/main" id="{F88BC9E7-1F80-4CDE-97E4-F3EF5C4F557B}"/>
               </a:ext>
             </a:extLst>
           </p:cNvPr>
@@ -6920,38 +7272,9 @@
           <a:bodyPr rtlCol="0" anchor="ctr"/>
           <a:lstStyle/>
           <a:p>
-            <a:pPr marL="0" marR="0" lvl="0" indent="0" algn="ctr" defTabSz="457200" rtl="0" eaLnBrk="1" fontAlgn="auto" latinLnBrk="0" hangingPunct="1">
-              <a:lnSpc>
-                <a:spcPct val="100000"/>
-              </a:lnSpc>
-              <a:spcBef>
-                <a:spcPts val="0"/>
-              </a:spcBef>
-              <a:spcAft>
-                <a:spcPts val="0"/>
-              </a:spcAft>
-              <a:buClrTx/>
-              <a:buSzTx/>
-              <a:buFontTx/>
-              <a:buNone/>
-              <a:tabLst/>
-              <a:defRPr/>
-            </a:pPr>
-            <a:r>
-              <a:rPr kumimoji="0" lang="en-US" sz="1800" b="0" i="0" u="none" strike="noStrike" kern="1200" cap="none" spc="0" normalizeH="0" baseline="0" noProof="0" dirty="0">
-                <a:ln>
-                  <a:noFill/>
-                </a:ln>
-                <a:solidFill>
-                  <a:prstClr val="white"/>
-                </a:solidFill>
-                <a:effectLst/>
-                <a:uLnTx/>
-                <a:uFillTx/>
-                <a:latin typeface="Century Gothic" panose="020B0502020202020204"/>
-                <a:ea typeface="+mn-ea"/>
-                <a:cs typeface="+mn-cs"/>
-              </a:rPr>
+            <a:pPr algn="ctr"/>
+            <a:r>
+              <a:rPr lang="en-US" dirty="0"/>
               <a:t>interface Shape</a:t>
             </a:r>
           </a:p>
@@ -6959,10 +7282,10 @@
       </p:sp>
       <p:sp>
         <p:nvSpPr>
-          <p:cNvPr id="5" name="Rectangle: Top Corners One Rounded and One Snipped 4">
+          <p:cNvPr id="27" name="Rectangle: Top Corners One Rounded and One Snipped 26">
             <a:extLst>
               <a:ext uri="{FF2B5EF4-FFF2-40B4-BE49-F238E27FC236}">
-                <a16:creationId xmlns:a16="http://schemas.microsoft.com/office/drawing/2014/main" id="{6F160EC8-444A-4999-AEF3-C01F2B01562B}"/>
+                <a16:creationId xmlns:a16="http://schemas.microsoft.com/office/drawing/2014/main" id="{C52E8928-E29F-4BB0-9A91-F64776586B7C}"/>
               </a:ext>
             </a:extLst>
           </p:cNvPr>
@@ -6998,91 +7321,37 @@
           <a:bodyPr rtlCol="0" anchor="ctr"/>
           <a:lstStyle/>
           <a:p>
-            <a:pPr marL="0" marR="0" lvl="0" indent="0" algn="ctr" defTabSz="457200" rtl="0" eaLnBrk="1" fontAlgn="auto" latinLnBrk="0" hangingPunct="1">
-              <a:lnSpc>
-                <a:spcPct val="100000"/>
-              </a:lnSpc>
-              <a:spcBef>
-                <a:spcPts val="0"/>
-              </a:spcBef>
-              <a:spcAft>
-                <a:spcPts val="0"/>
-              </a:spcAft>
-              <a:buClrTx/>
-              <a:buSzTx/>
-              <a:buFontTx/>
-              <a:buNone/>
-              <a:tabLst/>
-              <a:defRPr/>
-            </a:pPr>
-            <a:r>
-              <a:rPr kumimoji="0" lang="en-US" sz="1800" b="0" i="0" u="none" strike="noStrike" kern="1200" cap="none" spc="0" normalizeH="0" baseline="0" noProof="0" dirty="0">
-                <a:ln>
-                  <a:noFill/>
-                </a:ln>
-                <a:solidFill>
-                  <a:prstClr val="white"/>
-                </a:solidFill>
-                <a:effectLst/>
-                <a:uLnTx/>
-                <a:uFillTx/>
-                <a:latin typeface="Century Gothic" panose="020B0502020202020204"/>
-                <a:ea typeface="+mn-ea"/>
-                <a:cs typeface="+mn-cs"/>
-              </a:rPr>
+            <a:pPr algn="ctr"/>
+            <a:r>
+              <a:rPr lang="en-US" dirty="0"/>
               <a:t>abstract class </a:t>
             </a:r>
             <a:r>
-              <a:rPr kumimoji="0" lang="en-US" sz="1800" b="0" i="0" u="none" strike="noStrike" kern="1200" cap="none" spc="0" normalizeH="0" baseline="0" noProof="0" dirty="0" err="1">
-                <a:ln>
-                  <a:noFill/>
-                </a:ln>
-                <a:solidFill>
-                  <a:prstClr val="white"/>
-                </a:solidFill>
-                <a:effectLst/>
-                <a:uLnTx/>
-                <a:uFillTx/>
-                <a:latin typeface="Century Gothic" panose="020B0502020202020204"/>
-                <a:ea typeface="+mn-ea"/>
-                <a:cs typeface="+mn-cs"/>
-              </a:rPr>
+              <a:rPr lang="en-US" dirty="0" err="1"/>
               <a:t>BaseShape</a:t>
             </a:r>
-            <a:endParaRPr kumimoji="0" lang="en-US" sz="1800" b="0" i="0" u="none" strike="noStrike" kern="1200" cap="none" spc="0" normalizeH="0" baseline="0" noProof="0" dirty="0">
-              <a:ln>
-                <a:noFill/>
-              </a:ln>
-              <a:solidFill>
-                <a:prstClr val="white"/>
-              </a:solidFill>
-              <a:effectLst/>
-              <a:uLnTx/>
-              <a:uFillTx/>
-              <a:latin typeface="Century Gothic" panose="020B0502020202020204"/>
-              <a:ea typeface="+mn-ea"/>
-              <a:cs typeface="+mn-cs"/>
-            </a:endParaRPr>
+            <a:endParaRPr lang="en-US" dirty="0"/>
           </a:p>
         </p:txBody>
       </p:sp>
       <p:cxnSp>
         <p:nvCxnSpPr>
-          <p:cNvPr id="10" name="Straight Arrow Connector 9">
+          <p:cNvPr id="29" name="Straight Arrow Connector 28">
             <a:extLst>
               <a:ext uri="{FF2B5EF4-FFF2-40B4-BE49-F238E27FC236}">
-                <a16:creationId xmlns:a16="http://schemas.microsoft.com/office/drawing/2014/main" id="{0ADBF197-EE7F-40C2-A2F5-82FA781C94E2}"/>
+                <a16:creationId xmlns:a16="http://schemas.microsoft.com/office/drawing/2014/main" id="{774D1960-3A45-4EA4-9E09-E9467822654F}"/>
               </a:ext>
             </a:extLst>
           </p:cNvPr>
           <p:cNvCxnSpPr>
-            <a:stCxn id="4" idx="3"/>
-            <a:endCxn id="5" idx="2"/>
+            <a:cxnSpLocks/>
+            <a:stCxn id="27" idx="2"/>
+            <a:endCxn id="23" idx="3"/>
           </p:cNvCxnSpPr>
           <p:nvPr/>
         </p:nvCxnSpPr>
         <p:spPr>
-          <a:xfrm>
+          <a:xfrm flipH="1">
             <a:off x="2298226" y="3516853"/>
             <a:ext cx="1380395" cy="0"/>
           </a:xfrm>
@@ -7110,10 +7379,10 @@
       </p:cxnSp>
       <p:sp>
         <p:nvSpPr>
-          <p:cNvPr id="11" name="TextBox 10">
+          <p:cNvPr id="31" name="TextBox 30">
             <a:extLst>
               <a:ext uri="{FF2B5EF4-FFF2-40B4-BE49-F238E27FC236}">
-                <a16:creationId xmlns:a16="http://schemas.microsoft.com/office/drawing/2014/main" id="{08F75989-54DB-49C8-BE62-B2EE453F2C28}"/>
+                <a16:creationId xmlns:a16="http://schemas.microsoft.com/office/drawing/2014/main" id="{36337C34-62D9-432D-89D0-FFB55FCE48A3}"/>
               </a:ext>
             </a:extLst>
           </p:cNvPr>
@@ -7122,7 +7391,7 @@
         </p:nvSpPr>
         <p:spPr>
           <a:xfrm>
-            <a:off x="2415208" y="3221574"/>
+            <a:off x="2415208" y="3171879"/>
             <a:ext cx="1123121" cy="276999"/>
           </a:xfrm>
           <a:prstGeom prst="rect">
@@ -7136,38 +7405,9 @@
           </a:bodyPr>
           <a:lstStyle/>
           <a:p>
-            <a:pPr marL="0" marR="0" lvl="0" indent="0" algn="ctr" defTabSz="457200" rtl="0" eaLnBrk="1" fontAlgn="auto" latinLnBrk="0" hangingPunct="1">
-              <a:lnSpc>
-                <a:spcPct val="100000"/>
-              </a:lnSpc>
-              <a:spcBef>
-                <a:spcPts val="0"/>
-              </a:spcBef>
-              <a:spcAft>
-                <a:spcPts val="0"/>
-              </a:spcAft>
-              <a:buClrTx/>
-              <a:buSzTx/>
-              <a:buFontTx/>
-              <a:buNone/>
-              <a:tabLst/>
-              <a:defRPr/>
-            </a:pPr>
-            <a:r>
-              <a:rPr kumimoji="0" lang="en-US" sz="1200" b="0" i="0" u="none" strike="noStrike" kern="1200" cap="none" spc="0" normalizeH="0" baseline="0" noProof="0" dirty="0">
-                <a:ln>
-                  <a:noFill/>
-                </a:ln>
-                <a:solidFill>
-                  <a:prstClr val="white"/>
-                </a:solidFill>
-                <a:effectLst/>
-                <a:uLnTx/>
-                <a:uFillTx/>
-                <a:latin typeface="Century Gothic" panose="020B0502020202020204"/>
-                <a:ea typeface="+mn-ea"/>
-                <a:cs typeface="+mn-cs"/>
-              </a:rPr>
+            <a:pPr algn="ctr"/>
+            <a:r>
+              <a:rPr lang="en-US" sz="1200" dirty="0"/>
               <a:t>implements</a:t>
             </a:r>
           </a:p>
@@ -7175,22 +7415,22 @@
       </p:sp>
       <p:cxnSp>
         <p:nvCxnSpPr>
-          <p:cNvPr id="12" name="Straight Arrow Connector 11">
+          <p:cNvPr id="32" name="Straight Arrow Connector 31">
             <a:extLst>
               <a:ext uri="{FF2B5EF4-FFF2-40B4-BE49-F238E27FC236}">
-                <a16:creationId xmlns:a16="http://schemas.microsoft.com/office/drawing/2014/main" id="{87984FD3-B8F8-4574-9D51-B67C25D52C3B}"/>
+                <a16:creationId xmlns:a16="http://schemas.microsoft.com/office/drawing/2014/main" id="{CB6A53A1-C3D6-4096-AB5C-1754D4E520F3}"/>
               </a:ext>
             </a:extLst>
           </p:cNvPr>
           <p:cNvCxnSpPr>
             <a:cxnSpLocks/>
-            <a:stCxn id="5" idx="0"/>
-            <a:endCxn id="26" idx="2"/>
+            <a:stCxn id="38" idx="2"/>
+            <a:endCxn id="27" idx="0"/>
           </p:cNvCxnSpPr>
           <p:nvPr/>
         </p:nvCxnSpPr>
         <p:spPr>
-          <a:xfrm flipV="1">
+          <a:xfrm flipH="1">
             <a:off x="5570483" y="2663163"/>
             <a:ext cx="1179329" cy="853690"/>
           </a:xfrm>
@@ -7218,10 +7458,10 @@
       </p:cxnSp>
       <p:sp>
         <p:nvSpPr>
-          <p:cNvPr id="13" name="TextBox 12">
+          <p:cNvPr id="33" name="TextBox 32">
             <a:extLst>
               <a:ext uri="{FF2B5EF4-FFF2-40B4-BE49-F238E27FC236}">
-                <a16:creationId xmlns:a16="http://schemas.microsoft.com/office/drawing/2014/main" id="{6061561E-6AFE-4A02-95DD-33CAA9C35B11}"/>
+                <a16:creationId xmlns:a16="http://schemas.microsoft.com/office/drawing/2014/main" id="{9711F7D5-42A1-46A3-BC00-D287FBD25522}"/>
               </a:ext>
             </a:extLst>
           </p:cNvPr>
@@ -7229,9 +7469,9 @@
           <p:nvPr/>
         </p:nvSpPr>
         <p:spPr>
-          <a:xfrm rot="19327037">
-            <a:off x="5469830" y="2864833"/>
-            <a:ext cx="1123121" cy="276999"/>
+          <a:xfrm rot="19455108">
+            <a:off x="5678016" y="2883667"/>
+            <a:ext cx="835968" cy="276999"/>
           </a:xfrm>
           <a:prstGeom prst="rect">
             <a:avLst/>
@@ -7244,38 +7484,9 @@
           </a:bodyPr>
           <a:lstStyle/>
           <a:p>
-            <a:pPr marL="0" marR="0" lvl="0" indent="0" algn="ctr" defTabSz="457200" rtl="0" eaLnBrk="1" fontAlgn="auto" latinLnBrk="0" hangingPunct="1">
-              <a:lnSpc>
-                <a:spcPct val="100000"/>
-              </a:lnSpc>
-              <a:spcBef>
-                <a:spcPts val="0"/>
-              </a:spcBef>
-              <a:spcAft>
-                <a:spcPts val="0"/>
-              </a:spcAft>
-              <a:buClrTx/>
-              <a:buSzTx/>
-              <a:buFontTx/>
-              <a:buNone/>
-              <a:tabLst/>
-              <a:defRPr/>
-            </a:pPr>
-            <a:r>
-              <a:rPr kumimoji="0" lang="en-US" sz="1200" b="0" i="0" u="none" strike="noStrike" kern="1200" cap="none" spc="0" normalizeH="0" baseline="0" noProof="0" dirty="0">
-                <a:ln>
-                  <a:noFill/>
-                </a:ln>
-                <a:solidFill>
-                  <a:prstClr val="white"/>
-                </a:solidFill>
-                <a:effectLst/>
-                <a:uLnTx/>
-                <a:uFillTx/>
-                <a:latin typeface="Century Gothic" panose="020B0502020202020204"/>
-                <a:ea typeface="+mn-ea"/>
-                <a:cs typeface="+mn-cs"/>
-              </a:rPr>
+            <a:pPr algn="ctr"/>
+            <a:r>
+              <a:rPr lang="en-US" sz="1200" dirty="0"/>
               <a:t>extends</a:t>
             </a:r>
           </a:p>
@@ -7283,24 +7494,23 @@
       </p:sp>
       <p:cxnSp>
         <p:nvCxnSpPr>
-          <p:cNvPr id="18" name="Straight Arrow Connector 17">
+          <p:cNvPr id="34" name="Straight Arrow Connector 33">
             <a:extLst>
               <a:ext uri="{FF2B5EF4-FFF2-40B4-BE49-F238E27FC236}">
-                <a16:creationId xmlns:a16="http://schemas.microsoft.com/office/drawing/2014/main" id="{1D4CDC1B-B16F-4069-A2E1-70EF77E7F9F9}"/>
+                <a16:creationId xmlns:a16="http://schemas.microsoft.com/office/drawing/2014/main" id="{A8E47FDE-260C-4163-A00E-18FB7D2AEC78}"/>
               </a:ext>
             </a:extLst>
           </p:cNvPr>
           <p:cNvCxnSpPr>
             <a:cxnSpLocks/>
-            <a:stCxn id="5" idx="0"/>
-            <a:endCxn id="28" idx="1"/>
+            <a:stCxn id="39" idx="1"/>
           </p:cNvCxnSpPr>
           <p:nvPr/>
         </p:nvCxnSpPr>
         <p:spPr>
-          <a:xfrm>
-            <a:off x="5570483" y="3516853"/>
-            <a:ext cx="1318475" cy="893109"/>
+          <a:xfrm flipH="1" flipV="1">
+            <a:off x="5612029" y="3851524"/>
+            <a:ext cx="1276929" cy="558438"/>
           </a:xfrm>
           <a:prstGeom prst="straightConnector1">
             <a:avLst/>
@@ -7326,10 +7536,10 @@
       </p:cxnSp>
       <p:sp>
         <p:nvSpPr>
-          <p:cNvPr id="22" name="TextBox 21">
+          <p:cNvPr id="35" name="TextBox 34">
             <a:extLst>
               <a:ext uri="{FF2B5EF4-FFF2-40B4-BE49-F238E27FC236}">
-                <a16:creationId xmlns:a16="http://schemas.microsoft.com/office/drawing/2014/main" id="{561844F6-9E2E-48AA-8512-8FF83AABE3B3}"/>
+                <a16:creationId xmlns:a16="http://schemas.microsoft.com/office/drawing/2014/main" id="{737E7EF2-A0CF-4BBE-830C-00869D144169}"/>
               </a:ext>
             </a:extLst>
           </p:cNvPr>
@@ -7337,9 +7547,9 @@
           <p:nvPr/>
         </p:nvSpPr>
         <p:spPr>
-          <a:xfrm rot="2060575">
-            <a:off x="5632169" y="3653338"/>
-            <a:ext cx="1123121" cy="276999"/>
+          <a:xfrm rot="1523614">
+            <a:off x="5811918" y="3891442"/>
+            <a:ext cx="945068" cy="276999"/>
           </a:xfrm>
           <a:prstGeom prst="rect">
             <a:avLst/>
@@ -7352,38 +7562,9 @@
           </a:bodyPr>
           <a:lstStyle/>
           <a:p>
-            <a:pPr marL="0" marR="0" lvl="0" indent="0" algn="ctr" defTabSz="457200" rtl="0" eaLnBrk="1" fontAlgn="auto" latinLnBrk="0" hangingPunct="1">
-              <a:lnSpc>
-                <a:spcPct val="100000"/>
-              </a:lnSpc>
-              <a:spcBef>
-                <a:spcPts val="0"/>
-              </a:spcBef>
-              <a:spcAft>
-                <a:spcPts val="0"/>
-              </a:spcAft>
-              <a:buClrTx/>
-              <a:buSzTx/>
-              <a:buFontTx/>
-              <a:buNone/>
-              <a:tabLst/>
-              <a:defRPr/>
-            </a:pPr>
-            <a:r>
-              <a:rPr kumimoji="0" lang="en-US" sz="1200" b="0" i="0" u="none" strike="noStrike" kern="1200" cap="none" spc="0" normalizeH="0" baseline="0" noProof="0" dirty="0">
-                <a:ln>
-                  <a:noFill/>
-                </a:ln>
-                <a:solidFill>
-                  <a:prstClr val="white"/>
-                </a:solidFill>
-                <a:effectLst/>
-                <a:uLnTx/>
-                <a:uFillTx/>
-                <a:latin typeface="Century Gothic" panose="020B0502020202020204"/>
-                <a:ea typeface="+mn-ea"/>
-                <a:cs typeface="+mn-cs"/>
-              </a:rPr>
+            <a:pPr algn="ctr"/>
+            <a:r>
+              <a:rPr lang="en-US" sz="1200" dirty="0"/>
               <a:t>extends</a:t>
             </a:r>
           </a:p>
@@ -7391,22 +7572,24 @@
       </p:sp>
       <p:cxnSp>
         <p:nvCxnSpPr>
-          <p:cNvPr id="24" name="Straight Arrow Connector 23">
+          <p:cNvPr id="36" name="Straight Arrow Connector 35">
             <a:extLst>
               <a:ext uri="{FF2B5EF4-FFF2-40B4-BE49-F238E27FC236}">
-                <a16:creationId xmlns:a16="http://schemas.microsoft.com/office/drawing/2014/main" id="{0B6E81DF-EC22-47AA-869B-4BAB9197DB98}"/>
+                <a16:creationId xmlns:a16="http://schemas.microsoft.com/office/drawing/2014/main" id="{F861A5D7-36E5-4839-8E1C-73E822D6265F}"/>
               </a:ext>
             </a:extLst>
           </p:cNvPr>
           <p:cNvCxnSpPr>
             <a:cxnSpLocks/>
+            <a:stCxn id="40" idx="1"/>
+            <a:endCxn id="39" idx="3"/>
           </p:cNvCxnSpPr>
           <p:nvPr/>
         </p:nvCxnSpPr>
         <p:spPr>
-          <a:xfrm>
-            <a:off x="8641674" y="4419373"/>
-            <a:ext cx="1060058" cy="0"/>
+          <a:xfrm flipH="1">
+            <a:off x="8780820" y="4403158"/>
+            <a:ext cx="920912" cy="6804"/>
           </a:xfrm>
           <a:prstGeom prst="straightConnector1">
             <a:avLst/>
@@ -7432,10 +7615,10 @@
       </p:cxnSp>
       <p:sp>
         <p:nvSpPr>
-          <p:cNvPr id="25" name="TextBox 24">
+          <p:cNvPr id="37" name="TextBox 36">
             <a:extLst>
               <a:ext uri="{FF2B5EF4-FFF2-40B4-BE49-F238E27FC236}">
-                <a16:creationId xmlns:a16="http://schemas.microsoft.com/office/drawing/2014/main" id="{8C0075E9-B163-4203-9203-320BE14CFB11}"/>
+                <a16:creationId xmlns:a16="http://schemas.microsoft.com/office/drawing/2014/main" id="{F833B377-39A1-4044-9404-A000E260A073}"/>
               </a:ext>
             </a:extLst>
           </p:cNvPr>
@@ -7458,38 +7641,9 @@
           </a:bodyPr>
           <a:lstStyle/>
           <a:p>
-            <a:pPr marL="0" marR="0" lvl="0" indent="0" algn="ctr" defTabSz="457200" rtl="0" eaLnBrk="1" fontAlgn="auto" latinLnBrk="0" hangingPunct="1">
-              <a:lnSpc>
-                <a:spcPct val="100000"/>
-              </a:lnSpc>
-              <a:spcBef>
-                <a:spcPts val="0"/>
-              </a:spcBef>
-              <a:spcAft>
-                <a:spcPts val="0"/>
-              </a:spcAft>
-              <a:buClrTx/>
-              <a:buSzTx/>
-              <a:buFontTx/>
-              <a:buNone/>
-              <a:tabLst/>
-              <a:defRPr/>
-            </a:pPr>
-            <a:r>
-              <a:rPr kumimoji="0" lang="en-US" sz="1200" b="0" i="0" u="none" strike="noStrike" kern="1200" cap="none" spc="0" normalizeH="0" baseline="0" noProof="0" dirty="0">
-                <a:ln>
-                  <a:noFill/>
-                </a:ln>
-                <a:solidFill>
-                  <a:prstClr val="white"/>
-                </a:solidFill>
-                <a:effectLst/>
-                <a:uLnTx/>
-                <a:uFillTx/>
-                <a:latin typeface="Century Gothic" panose="020B0502020202020204"/>
-                <a:ea typeface="+mn-ea"/>
-                <a:cs typeface="+mn-cs"/>
-              </a:rPr>
+            <a:pPr algn="ctr"/>
+            <a:r>
+              <a:rPr lang="en-US" sz="1200" dirty="0"/>
               <a:t>extends</a:t>
             </a:r>
           </a:p>
@@ -7497,10 +7651,10 @@
       </p:sp>
       <p:sp>
         <p:nvSpPr>
-          <p:cNvPr id="26" name="Isosceles Triangle 25">
+          <p:cNvPr id="38" name="Isosceles Triangle 37">
             <a:extLst>
               <a:ext uri="{FF2B5EF4-FFF2-40B4-BE49-F238E27FC236}">
-                <a16:creationId xmlns:a16="http://schemas.microsoft.com/office/drawing/2014/main" id="{C27737A7-BF3E-46D4-A1DE-8178FF53C721}"/>
+                <a16:creationId xmlns:a16="http://schemas.microsoft.com/office/drawing/2014/main" id="{6AB10409-CB17-4E67-AEC8-AAB09A7F17B3}"/>
               </a:ext>
             </a:extLst>
           </p:cNvPr>
@@ -7536,38 +7690,9 @@
           <a:bodyPr rtlCol="0" anchor="ctr"/>
           <a:lstStyle/>
           <a:p>
-            <a:pPr marL="0" marR="0" lvl="0" indent="0" algn="ctr" defTabSz="457200" rtl="0" eaLnBrk="1" fontAlgn="auto" latinLnBrk="0" hangingPunct="1">
-              <a:lnSpc>
-                <a:spcPct val="100000"/>
-              </a:lnSpc>
-              <a:spcBef>
-                <a:spcPts val="0"/>
-              </a:spcBef>
-              <a:spcAft>
-                <a:spcPts val="0"/>
-              </a:spcAft>
-              <a:buClrTx/>
-              <a:buSzTx/>
-              <a:buFontTx/>
-              <a:buNone/>
-              <a:tabLst/>
-              <a:defRPr/>
-            </a:pPr>
-            <a:r>
-              <a:rPr kumimoji="0" lang="en-US" sz="1800" b="0" i="0" u="none" strike="noStrike" kern="1200" cap="none" spc="0" normalizeH="0" baseline="0" noProof="0" dirty="0">
-                <a:ln>
-                  <a:noFill/>
-                </a:ln>
-                <a:solidFill>
-                  <a:prstClr val="white"/>
-                </a:solidFill>
-                <a:effectLst/>
-                <a:uLnTx/>
-                <a:uFillTx/>
-                <a:latin typeface="Century Gothic" panose="020B0502020202020204"/>
-                <a:ea typeface="+mn-ea"/>
-                <a:cs typeface="+mn-cs"/>
-              </a:rPr>
+            <a:pPr algn="ctr"/>
+            <a:r>
+              <a:rPr lang="en-US" dirty="0"/>
               <a:t>class Triangle</a:t>
             </a:r>
           </a:p>
@@ -7575,10 +7700,10 @@
       </p:sp>
       <p:sp>
         <p:nvSpPr>
-          <p:cNvPr id="28" name="Rectangle 27">
+          <p:cNvPr id="39" name="Rectangle 38">
             <a:extLst>
               <a:ext uri="{FF2B5EF4-FFF2-40B4-BE49-F238E27FC236}">
-                <a16:creationId xmlns:a16="http://schemas.microsoft.com/office/drawing/2014/main" id="{E5FBF26F-5A75-4DD7-BBFA-BB1175502A06}"/>
+                <a16:creationId xmlns:a16="http://schemas.microsoft.com/office/drawing/2014/main" id="{13027766-7F38-4E59-B515-71DFC7DB931D}"/>
               </a:ext>
             </a:extLst>
           </p:cNvPr>
@@ -7614,38 +7739,9 @@
           <a:bodyPr rtlCol="0" anchor="ctr"/>
           <a:lstStyle/>
           <a:p>
-            <a:pPr marL="0" marR="0" lvl="0" indent="0" algn="ctr" defTabSz="457200" rtl="0" eaLnBrk="1" fontAlgn="auto" latinLnBrk="0" hangingPunct="1">
-              <a:lnSpc>
-                <a:spcPct val="100000"/>
-              </a:lnSpc>
-              <a:spcBef>
-                <a:spcPts val="0"/>
-              </a:spcBef>
-              <a:spcAft>
-                <a:spcPts val="0"/>
-              </a:spcAft>
-              <a:buClrTx/>
-              <a:buSzTx/>
-              <a:buFontTx/>
-              <a:buNone/>
-              <a:tabLst/>
-              <a:defRPr/>
-            </a:pPr>
-            <a:r>
-              <a:rPr kumimoji="0" lang="en-US" sz="1800" b="0" i="0" u="none" strike="noStrike" kern="1200" cap="none" spc="0" normalizeH="0" baseline="0" noProof="0" dirty="0">
-                <a:ln>
-                  <a:noFill/>
-                </a:ln>
-                <a:solidFill>
-                  <a:prstClr val="white"/>
-                </a:solidFill>
-                <a:effectLst/>
-                <a:uLnTx/>
-                <a:uFillTx/>
-                <a:latin typeface="Century Gothic" panose="020B0502020202020204"/>
-                <a:ea typeface="+mn-ea"/>
-                <a:cs typeface="+mn-cs"/>
-              </a:rPr>
+            <a:pPr algn="ctr"/>
+            <a:r>
+              <a:rPr lang="en-US" dirty="0"/>
               <a:t>class Rectangle</a:t>
             </a:r>
           </a:p>
@@ -7653,10 +7749,10 @@
       </p:sp>
       <p:sp>
         <p:nvSpPr>
-          <p:cNvPr id="30" name="Rectangle 29">
+          <p:cNvPr id="40" name="Rectangle 39">
             <a:extLst>
               <a:ext uri="{FF2B5EF4-FFF2-40B4-BE49-F238E27FC236}">
-                <a16:creationId xmlns:a16="http://schemas.microsoft.com/office/drawing/2014/main" id="{E312F1CD-2AF8-4A46-B875-C91722DB5FF1}"/>
+                <a16:creationId xmlns:a16="http://schemas.microsoft.com/office/drawing/2014/main" id="{7464004D-8D4C-4901-B7CB-256DDA6CFBC7}"/>
               </a:ext>
             </a:extLst>
           </p:cNvPr>
@@ -7665,7 +7761,7 @@
         </p:nvSpPr>
         <p:spPr>
           <a:xfrm>
-            <a:off x="9701732" y="3558210"/>
+            <a:off x="9701732" y="3513606"/>
             <a:ext cx="1891862" cy="1779104"/>
           </a:xfrm>
           <a:prstGeom prst="rect">
@@ -7692,392 +7788,11 @@
           <a:bodyPr rtlCol="0" anchor="ctr"/>
           <a:lstStyle/>
           <a:p>
-            <a:pPr marL="0" marR="0" lvl="0" indent="0" algn="ctr" defTabSz="457200" rtl="0" eaLnBrk="1" fontAlgn="auto" latinLnBrk="0" hangingPunct="1">
-              <a:lnSpc>
-                <a:spcPct val="100000"/>
-              </a:lnSpc>
-              <a:spcBef>
-                <a:spcPts val="0"/>
-              </a:spcBef>
-              <a:spcAft>
-                <a:spcPts val="0"/>
-              </a:spcAft>
-              <a:buClrTx/>
-              <a:buSzTx/>
-              <a:buFontTx/>
-              <a:buNone/>
-              <a:tabLst/>
-              <a:defRPr/>
-            </a:pPr>
-            <a:r>
-              <a:rPr kumimoji="0" lang="en-US" sz="1800" b="0" i="0" u="none" strike="noStrike" kern="1200" cap="none" spc="0" normalizeH="0" baseline="0" noProof="0" dirty="0">
-                <a:ln>
-                  <a:noFill/>
-                </a:ln>
-                <a:solidFill>
-                  <a:prstClr val="white"/>
-                </a:solidFill>
-                <a:effectLst/>
-                <a:uLnTx/>
-                <a:uFillTx/>
-                <a:latin typeface="Century Gothic" panose="020B0502020202020204"/>
-                <a:ea typeface="+mn-ea"/>
-                <a:cs typeface="+mn-cs"/>
-              </a:rPr>
+            <a:pPr algn="ctr"/>
+            <a:r>
+              <a:rPr lang="en-US" dirty="0"/>
               <a:t>class Square</a:t>
             </a:r>
-          </a:p>
-        </p:txBody>
-      </p:sp>
-      <p:sp>
-        <p:nvSpPr>
-          <p:cNvPr id="3" name="TextBox 2">
-            <a:extLst>
-              <a:ext uri="{FF2B5EF4-FFF2-40B4-BE49-F238E27FC236}">
-                <a16:creationId xmlns:a16="http://schemas.microsoft.com/office/drawing/2014/main" id="{8A2385CD-90B5-4A75-B33D-22793976A100}"/>
-              </a:ext>
-            </a:extLst>
-          </p:cNvPr>
-          <p:cNvSpPr txBox="1"/>
-          <p:nvPr/>
-        </p:nvSpPr>
-        <p:spPr>
-          <a:xfrm>
-            <a:off x="679633" y="4083849"/>
-            <a:ext cx="1618593" cy="954107"/>
-          </a:xfrm>
-          <a:prstGeom prst="rect">
-            <a:avLst/>
-          </a:prstGeom>
-          <a:noFill/>
-        </p:spPr>
-        <p:txBody>
-          <a:bodyPr wrap="square" rtlCol="0">
-            <a:spAutoFit/>
-          </a:bodyPr>
-          <a:lstStyle/>
-          <a:p>
-            <a:r>
-              <a:rPr lang="en-US" sz="1400" dirty="0"/>
-              <a:t>Defines:</a:t>
-            </a:r>
-          </a:p>
-          <a:p>
-            <a:pPr marL="285750" indent="-285750">
-              <a:buFont typeface="Arial" panose="020B0604020202020204" pitchFamily="34" charset="0"/>
-              <a:buChar char="•"/>
-            </a:pPr>
-            <a:r>
-              <a:rPr lang="en-US" sz="1400" dirty="0"/>
-              <a:t>area</a:t>
-            </a:r>
-          </a:p>
-          <a:p>
-            <a:pPr marL="285750" indent="-285750">
-              <a:buFont typeface="Arial" panose="020B0604020202020204" pitchFamily="34" charset="0"/>
-              <a:buChar char="•"/>
-            </a:pPr>
-            <a:r>
-              <a:rPr lang="en-US" sz="1400" dirty="0"/>
-              <a:t>perimeter</a:t>
-            </a:r>
-          </a:p>
-          <a:p>
-            <a:pPr marL="285750" indent="-285750">
-              <a:buFont typeface="Arial" panose="020B0604020202020204" pitchFamily="34" charset="0"/>
-              <a:buChar char="•"/>
-            </a:pPr>
-            <a:r>
-              <a:rPr lang="en-US" sz="1400" dirty="0"/>
-              <a:t>describe</a:t>
-            </a:r>
-          </a:p>
-        </p:txBody>
-      </p:sp>
-      <p:sp>
-        <p:nvSpPr>
-          <p:cNvPr id="17" name="TextBox 16">
-            <a:extLst>
-              <a:ext uri="{FF2B5EF4-FFF2-40B4-BE49-F238E27FC236}">
-                <a16:creationId xmlns:a16="http://schemas.microsoft.com/office/drawing/2014/main" id="{E6E34B15-1B6F-47AC-8566-087364309EAC}"/>
-              </a:ext>
-            </a:extLst>
-          </p:cNvPr>
-          <p:cNvSpPr txBox="1"/>
-          <p:nvPr/>
-        </p:nvSpPr>
-        <p:spPr>
-          <a:xfrm>
-            <a:off x="3678621" y="4142374"/>
-            <a:ext cx="1618593" cy="1384995"/>
-          </a:xfrm>
-          <a:prstGeom prst="rect">
-            <a:avLst/>
-          </a:prstGeom>
-          <a:noFill/>
-        </p:spPr>
-        <p:txBody>
-          <a:bodyPr wrap="square" rtlCol="0">
-            <a:spAutoFit/>
-          </a:bodyPr>
-          <a:lstStyle/>
-          <a:p>
-            <a:r>
-              <a:rPr lang="en-US" sz="1400" dirty="0"/>
-              <a:t>Defines:</a:t>
-            </a:r>
-          </a:p>
-          <a:p>
-            <a:pPr marL="285750" indent="-285750">
-              <a:buFont typeface="Arial" panose="020B0604020202020204" pitchFamily="34" charset="0"/>
-              <a:buChar char="•"/>
-            </a:pPr>
-            <a:r>
-              <a:rPr lang="en-US" sz="1400" dirty="0" err="1"/>
-              <a:t>shapeName</a:t>
-            </a:r>
-            <a:endParaRPr lang="en-US" sz="1400" dirty="0"/>
-          </a:p>
-          <a:p>
-            <a:pPr marL="285750" indent="-285750">
-              <a:buFont typeface="Arial" panose="020B0604020202020204" pitchFamily="34" charset="0"/>
-              <a:buChar char="•"/>
-            </a:pPr>
-            <a:r>
-              <a:rPr lang="en-US" sz="1400" dirty="0" err="1"/>
-              <a:t>shapeInfo</a:t>
-            </a:r>
-            <a:endParaRPr lang="en-US" sz="1400" dirty="0"/>
-          </a:p>
-          <a:p>
-            <a:endParaRPr lang="en-US" sz="1400" dirty="0"/>
-          </a:p>
-          <a:p>
-            <a:r>
-              <a:rPr lang="en-US" sz="1400" dirty="0"/>
-              <a:t>Implements</a:t>
-            </a:r>
-          </a:p>
-          <a:p>
-            <a:pPr marL="285750" indent="-285750">
-              <a:buFont typeface="Arial" panose="020B0604020202020204" pitchFamily="34" charset="0"/>
-              <a:buChar char="•"/>
-            </a:pPr>
-            <a:r>
-              <a:rPr lang="en-US" sz="1400" dirty="0"/>
-              <a:t>describe</a:t>
-            </a:r>
-          </a:p>
-        </p:txBody>
-      </p:sp>
-      <p:sp>
-        <p:nvSpPr>
-          <p:cNvPr id="19" name="TextBox 18">
-            <a:extLst>
-              <a:ext uri="{FF2B5EF4-FFF2-40B4-BE49-F238E27FC236}">
-                <a16:creationId xmlns:a16="http://schemas.microsoft.com/office/drawing/2014/main" id="{1D6E6594-AFA3-42D8-932A-30EC348DDCC1}"/>
-              </a:ext>
-            </a:extLst>
-          </p:cNvPr>
-          <p:cNvSpPr txBox="1"/>
-          <p:nvPr/>
-        </p:nvSpPr>
-        <p:spPr>
-          <a:xfrm>
-            <a:off x="6883092" y="4904916"/>
-            <a:ext cx="1618593" cy="1169551"/>
-          </a:xfrm>
-          <a:prstGeom prst="rect">
-            <a:avLst/>
-          </a:prstGeom>
-          <a:noFill/>
-        </p:spPr>
-        <p:txBody>
-          <a:bodyPr wrap="square" rtlCol="0">
-            <a:spAutoFit/>
-          </a:bodyPr>
-          <a:lstStyle/>
-          <a:p>
-            <a:r>
-              <a:rPr lang="en-US" sz="1400" dirty="0"/>
-              <a:t>Implements:</a:t>
-            </a:r>
-          </a:p>
-          <a:p>
-            <a:pPr marL="285750" indent="-285750">
-              <a:buFont typeface="Arial" panose="020B0604020202020204" pitchFamily="34" charset="0"/>
-              <a:buChar char="•"/>
-            </a:pPr>
-            <a:r>
-              <a:rPr lang="en-US" sz="1400" dirty="0"/>
-              <a:t>area</a:t>
-            </a:r>
-          </a:p>
-          <a:p>
-            <a:pPr marL="285750" indent="-285750">
-              <a:buFont typeface="Arial" panose="020B0604020202020204" pitchFamily="34" charset="0"/>
-              <a:buChar char="•"/>
-            </a:pPr>
-            <a:r>
-              <a:rPr lang="en-US" sz="1400" dirty="0"/>
-              <a:t>perimeter</a:t>
-            </a:r>
-          </a:p>
-          <a:p>
-            <a:pPr marL="285750" indent="-285750">
-              <a:buFont typeface="Arial" panose="020B0604020202020204" pitchFamily="34" charset="0"/>
-              <a:buChar char="•"/>
-            </a:pPr>
-            <a:r>
-              <a:rPr lang="en-US" sz="1400" dirty="0" err="1"/>
-              <a:t>shapeName</a:t>
-            </a:r>
-            <a:endParaRPr lang="en-US" sz="1400" dirty="0"/>
-          </a:p>
-          <a:p>
-            <a:pPr marL="285750" indent="-285750">
-              <a:buFont typeface="Arial" panose="020B0604020202020204" pitchFamily="34" charset="0"/>
-              <a:buChar char="•"/>
-            </a:pPr>
-            <a:r>
-              <a:rPr lang="en-US" sz="1400" dirty="0" err="1"/>
-              <a:t>shapeInfo</a:t>
-            </a:r>
-            <a:endParaRPr lang="en-US" sz="1400" dirty="0"/>
-          </a:p>
-        </p:txBody>
-      </p:sp>
-      <p:sp>
-        <p:nvSpPr>
-          <p:cNvPr id="20" name="TextBox 19">
-            <a:extLst>
-              <a:ext uri="{FF2B5EF4-FFF2-40B4-BE49-F238E27FC236}">
-                <a16:creationId xmlns:a16="http://schemas.microsoft.com/office/drawing/2014/main" id="{E6101020-259F-482C-AC62-0BA9B259438B}"/>
-              </a:ext>
-            </a:extLst>
-          </p:cNvPr>
-          <p:cNvSpPr txBox="1"/>
-          <p:nvPr/>
-        </p:nvSpPr>
-        <p:spPr>
-          <a:xfrm>
-            <a:off x="9659844" y="5337314"/>
-            <a:ext cx="1618593" cy="738664"/>
-          </a:xfrm>
-          <a:prstGeom prst="rect">
-            <a:avLst/>
-          </a:prstGeom>
-          <a:noFill/>
-        </p:spPr>
-        <p:txBody>
-          <a:bodyPr wrap="square" rtlCol="0">
-            <a:spAutoFit/>
-          </a:bodyPr>
-          <a:lstStyle/>
-          <a:p>
-            <a:r>
-              <a:rPr lang="en-US" sz="1400" dirty="0"/>
-              <a:t>Implements:</a:t>
-            </a:r>
-          </a:p>
-          <a:p>
-            <a:pPr marL="285750" indent="-285750">
-              <a:buFont typeface="Arial" panose="020B0604020202020204" pitchFamily="34" charset="0"/>
-              <a:buChar char="•"/>
-            </a:pPr>
-            <a:r>
-              <a:rPr lang="en-US" sz="1400" dirty="0" err="1"/>
-              <a:t>shapeName</a:t>
-            </a:r>
-            <a:endParaRPr lang="en-US" sz="1400" dirty="0"/>
-          </a:p>
-          <a:p>
-            <a:pPr marL="285750" indent="-285750">
-              <a:buFont typeface="Arial" panose="020B0604020202020204" pitchFamily="34" charset="0"/>
-              <a:buChar char="•"/>
-            </a:pPr>
-            <a:r>
-              <a:rPr lang="en-US" sz="1400" dirty="0" err="1"/>
-              <a:t>shapeInfo</a:t>
-            </a:r>
-            <a:endParaRPr lang="en-US" sz="1400" dirty="0"/>
-          </a:p>
-        </p:txBody>
-      </p:sp>
-      <p:sp>
-        <p:nvSpPr>
-          <p:cNvPr id="21" name="TextBox 20">
-            <a:extLst>
-              <a:ext uri="{FF2B5EF4-FFF2-40B4-BE49-F238E27FC236}">
-                <a16:creationId xmlns:a16="http://schemas.microsoft.com/office/drawing/2014/main" id="{06F62284-1C49-4895-9423-868A7F108678}"/>
-              </a:ext>
-            </a:extLst>
-          </p:cNvPr>
-          <p:cNvSpPr txBox="1"/>
-          <p:nvPr/>
-        </p:nvSpPr>
-        <p:spPr>
-          <a:xfrm>
-            <a:off x="8495474" y="1023338"/>
-            <a:ext cx="1618593" cy="1169551"/>
-          </a:xfrm>
-          <a:prstGeom prst="rect">
-            <a:avLst/>
-          </a:prstGeom>
-          <a:noFill/>
-        </p:spPr>
-        <p:txBody>
-          <a:bodyPr wrap="square" rtlCol="0">
-            <a:spAutoFit/>
-          </a:bodyPr>
-          <a:lstStyle/>
-          <a:p>
-            <a:r>
-              <a:rPr lang="en-US" sz="1400" dirty="0"/>
-              <a:t>Implements:</a:t>
-            </a:r>
-          </a:p>
-          <a:p>
-            <a:pPr marL="285750" indent="-285750">
-              <a:buFont typeface="Arial" panose="020B0604020202020204" pitchFamily="34" charset="0"/>
-              <a:buChar char="•"/>
-            </a:pPr>
-            <a:r>
-              <a:rPr lang="en-US" sz="1400" dirty="0"/>
-              <a:t>area</a:t>
-            </a:r>
-          </a:p>
-          <a:p>
-            <a:pPr marL="285750" indent="-285750">
-              <a:buFont typeface="Arial" panose="020B0604020202020204" pitchFamily="34" charset="0"/>
-              <a:buChar char="•"/>
-            </a:pPr>
-            <a:r>
-              <a:rPr lang="en-US" sz="1400" dirty="0"/>
-              <a:t>perimeter</a:t>
-            </a:r>
-          </a:p>
-          <a:p>
-            <a:pPr marL="285750" indent="-285750">
-              <a:buFont typeface="Arial" panose="020B0604020202020204" pitchFamily="34" charset="0"/>
-              <a:buChar char="•"/>
-            </a:pPr>
-            <a:r>
-              <a:rPr lang="en-US" sz="1400" dirty="0" err="1"/>
-              <a:t>shapeName</a:t>
-            </a:r>
-            <a:endParaRPr lang="en-US" sz="1400" dirty="0"/>
-          </a:p>
-          <a:p>
-            <a:pPr marL="285750" indent="-285750">
-              <a:buFont typeface="Arial" panose="020B0604020202020204" pitchFamily="34" charset="0"/>
-              <a:buChar char="•"/>
-            </a:pPr>
-            <a:r>
-              <a:rPr lang="en-US" sz="1400" dirty="0" err="1"/>
-              <a:t>shapeInfo</a:t>
-            </a:r>
-            <a:endParaRPr lang="en-US" sz="1400" dirty="0"/>
           </a:p>
         </p:txBody>
       </p:sp>
@@ -8686,13 +8401,14 @@
             </a:extLst>
           </p:cNvPr>
           <p:cNvCxnSpPr>
-            <a:stCxn id="4" idx="3"/>
-            <a:endCxn id="5" idx="2"/>
+            <a:cxnSpLocks/>
+            <a:stCxn id="5" idx="2"/>
+            <a:endCxn id="4" idx="3"/>
           </p:cNvCxnSpPr>
           <p:nvPr/>
         </p:nvCxnSpPr>
         <p:spPr>
-          <a:xfrm>
+          <a:xfrm flipH="1">
             <a:off x="2298226" y="3516853"/>
             <a:ext cx="1380395" cy="0"/>
           </a:xfrm>
@@ -8765,13 +8481,13 @@
           </p:cNvPr>
           <p:cNvCxnSpPr>
             <a:cxnSpLocks/>
-            <a:stCxn id="5" idx="0"/>
-            <a:endCxn id="26" idx="2"/>
+            <a:stCxn id="26" idx="2"/>
+            <a:endCxn id="5" idx="0"/>
           </p:cNvCxnSpPr>
           <p:nvPr/>
         </p:nvCxnSpPr>
         <p:spPr>
-          <a:xfrm flipV="1">
+          <a:xfrm flipH="1">
             <a:off x="5570483" y="2663163"/>
             <a:ext cx="1179329" cy="853690"/>
           </a:xfrm>
@@ -8810,9 +8526,9 @@
           <p:nvPr/>
         </p:nvSpPr>
         <p:spPr>
-          <a:xfrm rot="19327037">
-            <a:off x="5469830" y="2864833"/>
-            <a:ext cx="1123121" cy="276999"/>
+          <a:xfrm rot="19455108">
+            <a:off x="5678016" y="2883667"/>
+            <a:ext cx="835968" cy="276999"/>
           </a:xfrm>
           <a:prstGeom prst="rect">
             <a:avLst/>
@@ -8844,15 +8560,14 @@
           </p:cNvPr>
           <p:cNvCxnSpPr>
             <a:cxnSpLocks/>
-            <a:stCxn id="5" idx="0"/>
-            <a:endCxn id="28" idx="1"/>
+            <a:stCxn id="28" idx="1"/>
           </p:cNvCxnSpPr>
           <p:nvPr/>
         </p:nvCxnSpPr>
         <p:spPr>
-          <a:xfrm>
-            <a:off x="5570483" y="3516853"/>
-            <a:ext cx="1318475" cy="893109"/>
+          <a:xfrm flipH="1" flipV="1">
+            <a:off x="5612029" y="3851524"/>
+            <a:ext cx="1276929" cy="558438"/>
           </a:xfrm>
           <a:prstGeom prst="straightConnector1">
             <a:avLst/>
@@ -8889,9 +8604,9 @@
           <p:nvPr/>
         </p:nvSpPr>
         <p:spPr>
-          <a:xfrm rot="2060575">
-            <a:off x="5632169" y="3653338"/>
-            <a:ext cx="1123121" cy="276999"/>
+          <a:xfrm rot="1523614">
+            <a:off x="5811918" y="3891442"/>
+            <a:ext cx="945068" cy="276999"/>
           </a:xfrm>
           <a:prstGeom prst="rect">
             <a:avLst/>
@@ -8923,13 +8638,15 @@
           </p:cNvPr>
           <p:cNvCxnSpPr>
             <a:cxnSpLocks/>
+            <a:stCxn id="30" idx="1"/>
+            <a:endCxn id="28" idx="3"/>
           </p:cNvCxnSpPr>
           <p:nvPr/>
         </p:nvCxnSpPr>
         <p:spPr>
-          <a:xfrm>
-            <a:off x="8641674" y="4419373"/>
-            <a:ext cx="1060058" cy="0"/>
+          <a:xfrm flipH="1">
+            <a:off x="8780820" y="4403158"/>
+            <a:ext cx="920912" cy="6804"/>
           </a:xfrm>
           <a:prstGeom prst="straightConnector1">
             <a:avLst/>
@@ -9101,7 +8818,7 @@
         </p:nvSpPr>
         <p:spPr>
           <a:xfrm>
-            <a:off x="9701732" y="3558210"/>
+            <a:off x="9701732" y="3513606"/>
             <a:ext cx="1891862" cy="1779104"/>
           </a:xfrm>
           <a:prstGeom prst="rect">

--- a/The Shape of OOP.pptx
+++ b/The Shape of OOP.pptx
@@ -614,7 +614,7 @@
           <a:p>
             <a:r>
               <a:rPr lang="en-US" dirty="0"/>
-              <a:t>Everything is derived ultimately from Shape, the interface. So, in order to create a Shape object, a class must provide code for the abstract methods defined in Shape: area, perimeter, and describe. (An abstract method is a method signature without a body.) The describe method can be the same for all derived classes. It returns a String that gives the object's name, information about the type of shape (like number of sides) and the area and perimeter of the shape. It makes sense, then, to put the describe method in a base or parent class (</a:t>
+              <a:t>Everything is derived ultimately from Shape, the interface. So, in order to create a Shape object, a class must provide code for the abstract methods defined in Shape: area, perimeter, and describe. (An abstract method is a method signature without a body.) The describe method can be the same for all derived classes. It returns a List of String that gives the object's name, information about the type of shape (like number of sides) and the area and perimeter of the shape. It makes sense, then, to put the describe method in a base or parent class (</a:t>
             </a:r>
             <a:r>
               <a:rPr lang="en-US" dirty="0" err="1"/>
@@ -622,15 +622,7 @@
             </a:r>
             <a:r>
               <a:rPr lang="en-US" dirty="0"/>
-              <a:t>). Since the base class needs to get the shape name and information, it declares the abstract methods </a:t>
-            </a:r>
-            <a:r>
-              <a:rPr lang="en-US" dirty="0" err="1"/>
-              <a:t>shapeName</a:t>
-            </a:r>
-            <a:r>
-              <a:rPr lang="en-US" dirty="0"/>
-              <a:t> and </a:t>
+              <a:t>). Since the base class needs to get the shape name and information, it declares the abstract method </a:t>
             </a:r>
             <a:r>
               <a:rPr lang="en-US" dirty="0" err="1"/>
@@ -766,14 +758,6 @@
             </a:r>
             <a:r>
               <a:rPr lang="en-US" dirty="0" err="1"/>
-              <a:t>shapeName</a:t>
-            </a:r>
-            <a:r>
-              <a:rPr lang="en-US" dirty="0"/>
-              <a:t> and </a:t>
-            </a:r>
-            <a:r>
-              <a:rPr lang="en-US" dirty="0" err="1"/>
               <a:t>shapeInfo</a:t>
             </a:r>
             <a:r>
@@ -799,19 +783,8 @@
                 <a:latin typeface="Courier New" panose="02070309020205020404" pitchFamily="49" charset="0"/>
                 <a:cs typeface="Courier New" panose="02070309020205020404" pitchFamily="49" charset="0"/>
               </a:rPr>
-              <a:t>  super(side</a:t>
-            </a:r>
-            <a:r>
-              <a:rPr lang="en-US">
-                <a:latin typeface="Courier New" panose="02070309020205020404" pitchFamily="49" charset="0"/>
-                <a:cs typeface="Courier New" panose="02070309020205020404" pitchFamily="49" charset="0"/>
-              </a:rPr>
-              <a:t>, side);</a:t>
-            </a:r>
-            <a:endParaRPr lang="en-US" dirty="0">
-              <a:latin typeface="Courier New" panose="02070309020205020404" pitchFamily="49" charset="0"/>
-              <a:cs typeface="Courier New" panose="02070309020205020404" pitchFamily="49" charset="0"/>
-            </a:endParaRPr>
+              <a:t>  super(side, side);</a:t>
+            </a:r>
           </a:p>
           <a:p>
             <a:r>
@@ -6959,7 +6932,7 @@
         <p:spPr>
           <a:xfrm>
             <a:off x="3678621" y="4142374"/>
-            <a:ext cx="1618593" cy="1384995"/>
+            <a:ext cx="1618593" cy="1169551"/>
           </a:xfrm>
           <a:prstGeom prst="rect">
             <a:avLst/>
@@ -6976,17 +6949,6 @@
               <a:rPr lang="en-US" sz="1400" dirty="0"/>
               <a:t>Defines:</a:t>
             </a:r>
-          </a:p>
-          <a:p>
-            <a:pPr marL="285750" indent="-285750">
-              <a:buFont typeface="Arial" panose="020B0604020202020204" pitchFamily="34" charset="0"/>
-              <a:buChar char="•"/>
-            </a:pPr>
-            <a:r>
-              <a:rPr lang="en-US" sz="1400" dirty="0" err="1"/>
-              <a:t>shapeName</a:t>
-            </a:r>
-            <a:endParaRPr lang="en-US" sz="1400" dirty="0"/>
           </a:p>
           <a:p>
             <a:pPr marL="285750" indent="-285750">
@@ -7035,7 +6997,7 @@
         <p:spPr>
           <a:xfrm>
             <a:off x="6883092" y="4904916"/>
-            <a:ext cx="1618593" cy="1169551"/>
+            <a:ext cx="1618593" cy="954107"/>
           </a:xfrm>
           <a:prstGeom prst="rect">
             <a:avLst/>
@@ -7072,17 +7034,6 @@
               <a:rPr lang="en-US" sz="1400" dirty="0"/>
               <a:t>perimeter</a:t>
             </a:r>
-          </a:p>
-          <a:p>
-            <a:pPr marL="285750" indent="-285750">
-              <a:buFont typeface="Arial" panose="020B0604020202020204" pitchFamily="34" charset="0"/>
-              <a:buChar char="•"/>
-            </a:pPr>
-            <a:r>
-              <a:rPr lang="en-US" sz="1400" dirty="0" err="1"/>
-              <a:t>shapeName</a:t>
-            </a:r>
-            <a:endParaRPr lang="en-US" sz="1400" dirty="0"/>
           </a:p>
           <a:p>
             <a:pPr marL="285750" indent="-285750">
@@ -7112,7 +7063,7 @@
         <p:spPr>
           <a:xfrm>
             <a:off x="9659844" y="5337314"/>
-            <a:ext cx="1618593" cy="738664"/>
+            <a:ext cx="1618593" cy="1384995"/>
           </a:xfrm>
           <a:prstGeom prst="rect">
             <a:avLst/>
@@ -7137,9 +7088,18 @@
             </a:pPr>
             <a:r>
               <a:rPr lang="en-US" sz="1400" dirty="0" err="1"/>
-              <a:t>shapeName</a:t>
+              <a:t>shapeInfo</a:t>
             </a:r>
             <a:endParaRPr lang="en-US" sz="1400" dirty="0"/>
+          </a:p>
+          <a:p>
+            <a:endParaRPr lang="en-US" sz="1400" dirty="0"/>
+          </a:p>
+          <a:p>
+            <a:r>
+              <a:rPr lang="en-US" sz="1400" dirty="0"/>
+              <a:t>Inherits:</a:t>
+            </a:r>
           </a:p>
           <a:p>
             <a:pPr marL="285750" indent="-285750">
@@ -7147,10 +7107,19 @@
               <a:buChar char="•"/>
             </a:pPr>
             <a:r>
-              <a:rPr lang="en-US" sz="1400" dirty="0" err="1"/>
-              <a:t>shapeInfo</a:t>
-            </a:r>
-            <a:endParaRPr lang="en-US" sz="1400" dirty="0"/>
+              <a:rPr lang="en-US" sz="1400" dirty="0"/>
+              <a:t>area</a:t>
+            </a:r>
+          </a:p>
+          <a:p>
+            <a:pPr marL="285750" indent="-285750">
+              <a:buFont typeface="Arial" panose="020B0604020202020204" pitchFamily="34" charset="0"/>
+              <a:buChar char="•"/>
+            </a:pPr>
+            <a:r>
+              <a:rPr lang="en-US" sz="1400" dirty="0"/>
+              <a:t>perimeter</a:t>
+            </a:r>
           </a:p>
         </p:txBody>
       </p:sp>
@@ -7169,7 +7138,7 @@
         <p:spPr>
           <a:xfrm>
             <a:off x="8495474" y="1023338"/>
-            <a:ext cx="1618593" cy="1169551"/>
+            <a:ext cx="1618593" cy="954107"/>
           </a:xfrm>
           <a:prstGeom prst="rect">
             <a:avLst/>
@@ -7206,17 +7175,6 @@
               <a:rPr lang="en-US" sz="1400" dirty="0"/>
               <a:t>perimeter</a:t>
             </a:r>
-          </a:p>
-          <a:p>
-            <a:pPr marL="285750" indent="-285750">
-              <a:buFont typeface="Arial" panose="020B0604020202020204" pitchFamily="34" charset="0"/>
-              <a:buChar char="•"/>
-            </a:pPr>
-            <a:r>
-              <a:rPr lang="en-US" sz="1400" dirty="0" err="1"/>
-              <a:t>shapeName</a:t>
-            </a:r>
-            <a:endParaRPr lang="en-US" sz="1400" dirty="0"/>
           </a:p>
           <a:p>
             <a:pPr marL="285750" indent="-285750">
@@ -9111,7 +9069,7 @@
         </p:spPr>
         <p:txBody>
           <a:bodyPr>
-            <a:normAutofit lnSpcReduction="10000"/>
+            <a:normAutofit/>
           </a:bodyPr>
           <a:lstStyle/>
           <a:p>
@@ -9130,16 +9088,8 @@
           <a:p>
             <a:r>
               <a:rPr lang="en-US" dirty="0"/>
-              <a:t>Defines abstract methods:</a:t>
-            </a:r>
-          </a:p>
-          <a:p>
-            <a:pPr lvl="1"/>
-            <a:r>
-              <a:rPr lang="en-US" dirty="0" err="1"/>
-              <a:t>shapeName</a:t>
-            </a:r>
-            <a:endParaRPr lang="en-US" dirty="0"/>
+              <a:t>Defines abstract method:</a:t>
+            </a:r>
           </a:p>
           <a:p>
             <a:pPr lvl="1"/>
@@ -9168,7 +9118,7 @@
             </a:r>
             <a:r>
               <a:rPr lang="en-US" dirty="0"/>
-              <a:t> be created with the new operator. It needs to implement:</a:t>
+              <a:t> be created with the new operator. It would need to implement:</a:t>
             </a:r>
           </a:p>
           <a:p>
@@ -9184,14 +9134,6 @@
               <a:rPr lang="en-US" dirty="0"/>
               <a:t>perimeter</a:t>
             </a:r>
-          </a:p>
-          <a:p>
-            <a:pPr lvl="1"/>
-            <a:r>
-              <a:rPr lang="en-US" dirty="0" err="1"/>
-              <a:t>shapeName</a:t>
-            </a:r>
-            <a:endParaRPr lang="en-US" dirty="0"/>
           </a:p>
           <a:p>
             <a:pPr lvl="1"/>
@@ -9374,14 +9316,6 @@
             <a:pPr lvl="1"/>
             <a:r>
               <a:rPr lang="en-US" dirty="0" err="1"/>
-              <a:t>shapeName</a:t>
-            </a:r>
-            <a:endParaRPr lang="en-US" dirty="0"/>
-          </a:p>
-          <a:p>
-            <a:pPr lvl="1"/>
-            <a:r>
-              <a:rPr lang="en-US" dirty="0" err="1"/>
               <a:t>shapeInfo</a:t>
             </a:r>
             <a:endParaRPr lang="en-US" dirty="0"/>
@@ -9401,7 +9335,7 @@
             </a:r>
             <a:r>
               <a:rPr lang="en-US" dirty="0"/>
-              <a:t> be created with the new operator</a:t>
+              <a:t> be created with the new operator because all abstract methods are implemented</a:t>
             </a:r>
           </a:p>
         </p:txBody>
@@ -9604,14 +9538,6 @@
             <a:pPr lvl="1"/>
             <a:r>
               <a:rPr lang="en-US" dirty="0" err="1"/>
-              <a:t>shapeName</a:t>
-            </a:r>
-            <a:endParaRPr lang="en-US" dirty="0"/>
-          </a:p>
-          <a:p>
-            <a:pPr lvl="1"/>
-            <a:r>
-              <a:rPr lang="en-US" dirty="0" err="1"/>
               <a:t>shapeInfo</a:t>
             </a:r>
             <a:endParaRPr lang="en-US" dirty="0"/>
@@ -9792,7 +9718,7 @@
             <a:pPr lvl="1"/>
             <a:r>
               <a:rPr lang="en-US" dirty="0"/>
-              <a:t>Rectangle(double side1, double side2)</a:t>
+              <a:t>Rectangle(double width, double height)</a:t>
             </a:r>
           </a:p>
           <a:p>
@@ -9909,7 +9835,7 @@
             <a:pPr lvl="1"/>
             <a:r>
               <a:rPr lang="en-US" dirty="0"/>
-              <a:t>Shape rectangle = new Rectangle(side1, side2)</a:t>
+              <a:t>Shape rectangle = new Rectangle(width, height)</a:t>
             </a:r>
           </a:p>
           <a:p>
@@ -9949,16 +9875,8 @@
           <a:p>
             <a:r>
               <a:rPr lang="en-US" dirty="0"/>
-              <a:t>The Shape interface does not expose the methods:</a:t>
-            </a:r>
-          </a:p>
-          <a:p>
-            <a:pPr lvl="1"/>
-            <a:r>
-              <a:rPr lang="en-US" dirty="0" err="1"/>
-              <a:t>shapeName</a:t>
-            </a:r>
-            <a:endParaRPr lang="en-US" dirty="0"/>
+              <a:t>The Shape interface does not expose the method:</a:t>
+            </a:r>
           </a:p>
           <a:p>
             <a:pPr lvl="1"/>

--- a/The Shape of OOP.pptx
+++ b/The Shape of OOP.pptx
@@ -7827,14 +7827,14 @@
           <p:nvPr>
             <p:extLst>
               <p:ext uri="{D42A27DB-BD31-4B8C-83A1-F6EECF244321}">
-                <p14:modId xmlns:p14="http://schemas.microsoft.com/office/powerpoint/2010/main" val="4076742679"/>
+                <p14:modId xmlns:p14="http://schemas.microsoft.com/office/powerpoint/2010/main" val="2580151388"/>
               </p:ext>
             </p:extLst>
           </p:nvPr>
         </p:nvGraphicFramePr>
         <p:xfrm>
           <a:off x="945932" y="2905818"/>
-          <a:ext cx="10300136" cy="2026920"/>
+          <a:ext cx="10300136" cy="2565400"/>
         </p:xfrm>
         <a:graphic>
           <a:graphicData uri="http://schemas.openxmlformats.org/drawingml/2006/table">
@@ -7843,38 +7843,45 @@
                 <a:tableStyleId>{21E4AEA4-8DFA-4A89-87EB-49C32662AFE0}</a:tableStyleId>
               </a:tblPr>
               <a:tblGrid>
-                <a:gridCol w="1965434">
+                <a:gridCol w="1774864">
                   <a:extLst>
                     <a:ext uri="{9D8B030D-6E8A-4147-A177-3AD203B41FA5}">
                       <a16:colId xmlns:a16="http://schemas.microsoft.com/office/drawing/2014/main" val="1483569522"/>
                     </a:ext>
                   </a:extLst>
                 </a:gridCol>
-                <a:gridCol w="4125538">
+                <a:gridCol w="2765604">
                   <a:extLst>
                     <a:ext uri="{9D8B030D-6E8A-4147-A177-3AD203B41FA5}">
                       <a16:colId xmlns:a16="http://schemas.microsoft.com/office/drawing/2014/main" val="750862552"/>
                     </a:ext>
                   </a:extLst>
                 </a:gridCol>
-                <a:gridCol w="1802296">
+                <a:gridCol w="1929161">
                   <a:extLst>
                     <a:ext uri="{9D8B030D-6E8A-4147-A177-3AD203B41FA5}">
                       <a16:colId xmlns:a16="http://schemas.microsoft.com/office/drawing/2014/main" val="1873142168"/>
                     </a:ext>
                   </a:extLst>
                 </a:gridCol>
-                <a:gridCol w="1300925">
+                <a:gridCol w="1382751">
                   <a:extLst>
                     <a:ext uri="{9D8B030D-6E8A-4147-A177-3AD203B41FA5}">
                       <a16:colId xmlns:a16="http://schemas.microsoft.com/office/drawing/2014/main" val="2906544201"/>
                     </a:ext>
                   </a:extLst>
                 </a:gridCol>
-                <a:gridCol w="1105943">
+                <a:gridCol w="1103971">
                   <a:extLst>
                     <a:ext uri="{9D8B030D-6E8A-4147-A177-3AD203B41FA5}">
                       <a16:colId xmlns:a16="http://schemas.microsoft.com/office/drawing/2014/main" val="4169837600"/>
+                    </a:ext>
+                  </a:extLst>
+                </a:gridCol>
+                <a:gridCol w="1343785">
+                  <a:extLst>
+                    <a:ext uri="{9D8B030D-6E8A-4147-A177-3AD203B41FA5}">
+                      <a16:colId xmlns:a16="http://schemas.microsoft.com/office/drawing/2014/main" val="2624921045"/>
                     </a:ext>
                   </a:extLst>
                 </a:gridCol>
@@ -7948,6 +7955,20 @@
                   </a:txBody>
                   <a:tcPr/>
                 </a:tc>
+                <a:tc>
+                  <a:txBody>
+                    <a:bodyPr/>
+                    <a:lstStyle/>
+                    <a:p>
+                      <a:pPr algn="ctr"/>
+                      <a:r>
+                        <a:rPr lang="en-US" dirty="0"/>
+                        <a:t>Can declare variables?</a:t>
+                      </a:r>
+                    </a:p>
+                  </a:txBody>
+                  <a:tcPr/>
+                </a:tc>
                 <a:extLst>
                   <a:ext uri="{0D108BD9-81ED-4DB2-BD59-A6C34878D82A}">
                     <a16:rowId xmlns:a16="http://schemas.microsoft.com/office/drawing/2014/main" val="3033370589"/>
@@ -8004,6 +8025,20 @@
                       <a:r>
                         <a:rPr lang="en-US" dirty="0"/>
                         <a:t>Yes</a:t>
+                      </a:r>
+                    </a:p>
+                  </a:txBody>
+                  <a:tcPr/>
+                </a:tc>
+                <a:tc>
+                  <a:txBody>
+                    <a:bodyPr/>
+                    <a:lstStyle/>
+                    <a:p>
+                      <a:pPr algn="ctr"/>
+                      <a:r>
+                        <a:rPr lang="en-US" dirty="0"/>
+                        <a:t>No</a:t>
                       </a:r>
                     </a:p>
                   </a:txBody>
@@ -8098,6 +8133,20 @@
                   </a:txBody>
                   <a:tcPr/>
                 </a:tc>
+                <a:tc>
+                  <a:txBody>
+                    <a:bodyPr/>
+                    <a:lstStyle/>
+                    <a:p>
+                      <a:pPr algn="ctr"/>
+                      <a:r>
+                        <a:rPr lang="en-US" dirty="0"/>
+                        <a:t>Yes</a:t>
+                      </a:r>
+                    </a:p>
+                  </a:txBody>
+                  <a:tcPr/>
+                </a:tc>
                 <a:extLst>
                   <a:ext uri="{0D108BD9-81ED-4DB2-BD59-A6C34878D82A}">
                     <a16:rowId xmlns:a16="http://schemas.microsoft.com/office/drawing/2014/main" val="236211259"/>
@@ -8169,6 +8218,21 @@
                         <a:rPr lang="en-US" dirty="0"/>
                         <a:t>Yes</a:t>
                       </a:r>
+                    </a:p>
+                  </a:txBody>
+                  <a:tcPr/>
+                </a:tc>
+                <a:tc>
+                  <a:txBody>
+                    <a:bodyPr/>
+                    <a:lstStyle/>
+                    <a:p>
+                      <a:pPr algn="ctr"/>
+                      <a:r>
+                        <a:rPr lang="en-US"/>
+                        <a:t>Yes</a:t>
+                      </a:r>
+                      <a:endParaRPr lang="en-US" dirty="0"/>
                     </a:p>
                   </a:txBody>
                   <a:tcPr/>

--- a/The Shape of OOP.pptx
+++ b/The Shape of OOP.pptx
@@ -206,7 +206,7 @@
           <a:p>
             <a:fld id="{583DEAFA-ACB2-4C5A-88EF-692DD18A54C1}" type="datetimeFigureOut">
               <a:rPr lang="en-US" smtClean="0"/>
-              <a:t>12/2/2021</a:t>
+              <a:t>12/7/2022</a:t>
             </a:fld>
             <a:endParaRPr lang="en-US"/>
           </a:p>
@@ -1016,7 +1016,7 @@
           <a:p>
             <a:fld id="{548C5E67-172B-4F6A-B3B9-DEF72F952E5B}" type="datetimeFigureOut">
               <a:rPr lang="en-US" smtClean="0"/>
-              <a:t>12/2/2021</a:t>
+              <a:t>12/7/2022</a:t>
             </a:fld>
             <a:endParaRPr lang="en-US"/>
           </a:p>
@@ -1291,7 +1291,7 @@
           <a:p>
             <a:fld id="{548C5E67-172B-4F6A-B3B9-DEF72F952E5B}" type="datetimeFigureOut">
               <a:rPr lang="en-US" smtClean="0"/>
-              <a:t>12/2/2021</a:t>
+              <a:t>12/7/2022</a:t>
             </a:fld>
             <a:endParaRPr lang="en-US"/>
           </a:p>
@@ -1485,7 +1485,7 @@
           <a:p>
             <a:fld id="{548C5E67-172B-4F6A-B3B9-DEF72F952E5B}" type="datetimeFigureOut">
               <a:rPr lang="en-US" smtClean="0"/>
-              <a:t>12/2/2021</a:t>
+              <a:t>12/7/2022</a:t>
             </a:fld>
             <a:endParaRPr lang="en-US"/>
           </a:p>
@@ -1753,7 +1753,7 @@
           <a:p>
             <a:fld id="{548C5E67-172B-4F6A-B3B9-DEF72F952E5B}" type="datetimeFigureOut">
               <a:rPr lang="en-US" smtClean="0"/>
-              <a:t>12/2/2021</a:t>
+              <a:t>12/7/2022</a:t>
             </a:fld>
             <a:endParaRPr lang="en-US"/>
           </a:p>
@@ -2085,7 +2085,7 @@
           <a:p>
             <a:fld id="{548C5E67-172B-4F6A-B3B9-DEF72F952E5B}" type="datetimeFigureOut">
               <a:rPr lang="en-US" smtClean="0"/>
-              <a:t>12/2/2021</a:t>
+              <a:t>12/7/2022</a:t>
             </a:fld>
             <a:endParaRPr lang="en-US"/>
           </a:p>
@@ -2695,7 +2695,7 @@
           <a:p>
             <a:fld id="{548C5E67-172B-4F6A-B3B9-DEF72F952E5B}" type="datetimeFigureOut">
               <a:rPr lang="en-US" smtClean="0"/>
-              <a:t>12/2/2021</a:t>
+              <a:t>12/7/2022</a:t>
             </a:fld>
             <a:endParaRPr lang="en-US"/>
           </a:p>
@@ -3542,7 +3542,7 @@
           <a:p>
             <a:fld id="{548C5E67-172B-4F6A-B3B9-DEF72F952E5B}" type="datetimeFigureOut">
               <a:rPr lang="en-US" smtClean="0"/>
-              <a:t>12/2/2021</a:t>
+              <a:t>12/7/2022</a:t>
             </a:fld>
             <a:endParaRPr lang="en-US"/>
           </a:p>
@@ -3712,7 +3712,7 @@
           <a:p>
             <a:fld id="{548C5E67-172B-4F6A-B3B9-DEF72F952E5B}" type="datetimeFigureOut">
               <a:rPr lang="en-US" smtClean="0"/>
-              <a:t>12/2/2021</a:t>
+              <a:t>12/7/2022</a:t>
             </a:fld>
             <a:endParaRPr lang="en-US"/>
           </a:p>
@@ -3892,7 +3892,7 @@
           <a:p>
             <a:fld id="{548C5E67-172B-4F6A-B3B9-DEF72F952E5B}" type="datetimeFigureOut">
               <a:rPr lang="en-US" smtClean="0"/>
-              <a:t>12/2/2021</a:t>
+              <a:t>12/7/2022</a:t>
             </a:fld>
             <a:endParaRPr lang="en-US"/>
           </a:p>
@@ -4062,7 +4062,7 @@
           <a:p>
             <a:fld id="{548C5E67-172B-4F6A-B3B9-DEF72F952E5B}" type="datetimeFigureOut">
               <a:rPr lang="en-US" smtClean="0"/>
-              <a:t>12/2/2021</a:t>
+              <a:t>12/7/2022</a:t>
             </a:fld>
             <a:endParaRPr lang="en-US"/>
           </a:p>
@@ -4306,7 +4306,7 @@
           <a:p>
             <a:fld id="{548C5E67-172B-4F6A-B3B9-DEF72F952E5B}" type="datetimeFigureOut">
               <a:rPr lang="en-US" smtClean="0"/>
-              <a:t>12/2/2021</a:t>
+              <a:t>12/7/2022</a:t>
             </a:fld>
             <a:endParaRPr lang="en-US"/>
           </a:p>
@@ -4598,7 +4598,7 @@
           <a:p>
             <a:fld id="{548C5E67-172B-4F6A-B3B9-DEF72F952E5B}" type="datetimeFigureOut">
               <a:rPr lang="en-US" smtClean="0"/>
-              <a:t>12/2/2021</a:t>
+              <a:t>12/7/2022</a:t>
             </a:fld>
             <a:endParaRPr lang="en-US"/>
           </a:p>
@@ -5036,7 +5036,7 @@
           <a:p>
             <a:fld id="{548C5E67-172B-4F6A-B3B9-DEF72F952E5B}" type="datetimeFigureOut">
               <a:rPr lang="en-US" smtClean="0"/>
-              <a:t>12/2/2021</a:t>
+              <a:t>12/7/2022</a:t>
             </a:fld>
             <a:endParaRPr lang="en-US"/>
           </a:p>
@@ -5154,7 +5154,7 @@
           <a:p>
             <a:fld id="{548C5E67-172B-4F6A-B3B9-DEF72F952E5B}" type="datetimeFigureOut">
               <a:rPr lang="en-US" smtClean="0"/>
-              <a:t>12/2/2021</a:t>
+              <a:t>12/7/2022</a:t>
             </a:fld>
             <a:endParaRPr lang="en-US"/>
           </a:p>
@@ -5249,7 +5249,7 @@
           <a:p>
             <a:fld id="{548C5E67-172B-4F6A-B3B9-DEF72F952E5B}" type="datetimeFigureOut">
               <a:rPr lang="en-US" smtClean="0"/>
-              <a:t>12/2/2021</a:t>
+              <a:t>12/7/2022</a:t>
             </a:fld>
             <a:endParaRPr lang="en-US"/>
           </a:p>
@@ -5528,7 +5528,7 @@
           <a:p>
             <a:fld id="{548C5E67-172B-4F6A-B3B9-DEF72F952E5B}" type="datetimeFigureOut">
               <a:rPr lang="en-US" smtClean="0"/>
-              <a:t>12/2/2021</a:t>
+              <a:t>12/7/2022</a:t>
             </a:fld>
             <a:endParaRPr lang="en-US"/>
           </a:p>
@@ -5803,7 +5803,7 @@
           <a:p>
             <a:fld id="{548C5E67-172B-4F6A-B3B9-DEF72F952E5B}" type="datetimeFigureOut">
               <a:rPr lang="en-US" smtClean="0"/>
-              <a:t>12/2/2021</a:t>
+              <a:t>12/7/2022</a:t>
             </a:fld>
             <a:endParaRPr lang="en-US"/>
           </a:p>
@@ -6232,7 +6232,7 @@
           <a:p>
             <a:fld id="{548C5E67-172B-4F6A-B3B9-DEF72F952E5B}" type="datetimeFigureOut">
               <a:rPr lang="en-US" smtClean="0"/>
-              <a:t>12/2/2021</a:t>
+              <a:t>12/7/2022</a:t>
             </a:fld>
             <a:endParaRPr lang="en-US"/>
           </a:p>
@@ -6882,7 +6882,7 @@
           <a:p>
             <a:r>
               <a:rPr lang="en-US" sz="1400" dirty="0"/>
-              <a:t>Defines:</a:t>
+              <a:t>Declares:</a:t>
             </a:r>
           </a:p>
           <a:p>
@@ -6947,7 +6947,7 @@
           <a:p>
             <a:r>
               <a:rPr lang="en-US" sz="1400" dirty="0"/>
-              <a:t>Defines:</a:t>
+              <a:t>Declares:</a:t>
             </a:r>
           </a:p>
           <a:p>
@@ -7827,14 +7827,14 @@
           <p:nvPr>
             <p:extLst>
               <p:ext uri="{D42A27DB-BD31-4B8C-83A1-F6EECF244321}">
-                <p14:modId xmlns:p14="http://schemas.microsoft.com/office/powerpoint/2010/main" val="2580151388"/>
+                <p14:modId xmlns:p14="http://schemas.microsoft.com/office/powerpoint/2010/main" val="3800264274"/>
               </p:ext>
             </p:extLst>
           </p:nvPr>
         </p:nvGraphicFramePr>
         <p:xfrm>
           <a:off x="945932" y="2905818"/>
-          <a:ext cx="10300136" cy="2565400"/>
+          <a:ext cx="10300136" cy="2834640"/>
         </p:xfrm>
         <a:graphic>
           <a:graphicData uri="http://schemas.openxmlformats.org/drawingml/2006/table">
@@ -7996,7 +7996,7 @@
                     <a:p>
                       <a:r>
                         <a:rPr lang="en-US" dirty="0"/>
-                        <a:t>A functional contract</a:t>
+                        <a:t>Declares required methods</a:t>
                       </a:r>
                     </a:p>
                   </a:txBody>
@@ -8229,10 +8229,9 @@
                     <a:p>
                       <a:pPr algn="ctr"/>
                       <a:r>
-                        <a:rPr lang="en-US"/>
+                        <a:rPr lang="en-US" dirty="0"/>
                         <a:t>Yes</a:t>
                       </a:r>
-                      <a:endParaRPr lang="en-US" dirty="0"/>
                     </a:p>
                   </a:txBody>
                   <a:tcPr/>
@@ -8966,7 +8965,7 @@
           <a:p>
             <a:r>
               <a:rPr lang="en-US" dirty="0"/>
-              <a:t>Defines abstract methods:</a:t>
+              <a:t>Declares abstract methods:</a:t>
             </a:r>
           </a:p>
           <a:p>
@@ -9152,7 +9151,7 @@
           <a:p>
             <a:r>
               <a:rPr lang="en-US" dirty="0"/>
-              <a:t>Defines abstract method:</a:t>
+              <a:t>Declares abstract method:</a:t>
             </a:r>
           </a:p>
           <a:p>
